--- a/presentations/2021-11 Webinars/HL7 FHIR Terminology/FHIR-Terminology-Part-2-2021-12-01.pptx
+++ b/presentations/2021-11 Webinars/HL7 FHIR Terminology/FHIR-Terminology-Part-2-2021-12-01.pptx
@@ -5,10 +5,10 @@
     <p:sldMasterId id="2147483648" r:id="rId1"/>
   </p:sldMasterIdLst>
   <p:notesMasterIdLst>
-    <p:notesMasterId r:id="rId62"/>
+    <p:notesMasterId r:id="rId67"/>
   </p:notesMasterIdLst>
   <p:handoutMasterIdLst>
-    <p:handoutMasterId r:id="rId63"/>
+    <p:handoutMasterId r:id="rId68"/>
   </p:handoutMasterIdLst>
   <p:sldIdLst>
     <p:sldId id="451" r:id="rId2"/>
@@ -42,35 +42,40 @@
     <p:sldId id="359" r:id="rId30"/>
     <p:sldId id="386" r:id="rId31"/>
     <p:sldId id="383" r:id="rId32"/>
-    <p:sldId id="466" r:id="rId33"/>
-    <p:sldId id="463" r:id="rId34"/>
-    <p:sldId id="433" r:id="rId35"/>
-    <p:sldId id="467" r:id="rId36"/>
-    <p:sldId id="420" r:id="rId37"/>
-    <p:sldId id="421" r:id="rId38"/>
-    <p:sldId id="424" r:id="rId39"/>
-    <p:sldId id="422" r:id="rId40"/>
-    <p:sldId id="423" r:id="rId41"/>
-    <p:sldId id="425" r:id="rId42"/>
-    <p:sldId id="426" r:id="rId43"/>
-    <p:sldId id="468" r:id="rId44"/>
-    <p:sldId id="469" r:id="rId45"/>
-    <p:sldId id="450" r:id="rId46"/>
-    <p:sldId id="427" r:id="rId47"/>
-    <p:sldId id="371" r:id="rId48"/>
-    <p:sldId id="417" r:id="rId49"/>
-    <p:sldId id="370" r:id="rId50"/>
-    <p:sldId id="434" r:id="rId51"/>
-    <p:sldId id="310" r:id="rId52"/>
-    <p:sldId id="364" r:id="rId53"/>
-    <p:sldId id="376" r:id="rId54"/>
-    <p:sldId id="377" r:id="rId55"/>
-    <p:sldId id="378" r:id="rId56"/>
-    <p:sldId id="379" r:id="rId57"/>
-    <p:sldId id="375" r:id="rId58"/>
-    <p:sldId id="372" r:id="rId59"/>
-    <p:sldId id="373" r:id="rId60"/>
-    <p:sldId id="374" r:id="rId61"/>
+    <p:sldId id="433" r:id="rId33"/>
+    <p:sldId id="467" r:id="rId34"/>
+    <p:sldId id="420" r:id="rId35"/>
+    <p:sldId id="421" r:id="rId36"/>
+    <p:sldId id="424" r:id="rId37"/>
+    <p:sldId id="422" r:id="rId38"/>
+    <p:sldId id="423" r:id="rId39"/>
+    <p:sldId id="425" r:id="rId40"/>
+    <p:sldId id="426" r:id="rId41"/>
+    <p:sldId id="468" r:id="rId42"/>
+    <p:sldId id="469" r:id="rId43"/>
+    <p:sldId id="450" r:id="rId44"/>
+    <p:sldId id="364" r:id="rId45"/>
+    <p:sldId id="376" r:id="rId46"/>
+    <p:sldId id="377" r:id="rId47"/>
+    <p:sldId id="378" r:id="rId48"/>
+    <p:sldId id="379" r:id="rId49"/>
+    <p:sldId id="372" r:id="rId50"/>
+    <p:sldId id="373" r:id="rId51"/>
+    <p:sldId id="374" r:id="rId52"/>
+    <p:sldId id="471" r:id="rId53"/>
+    <p:sldId id="472" r:id="rId54"/>
+    <p:sldId id="474" r:id="rId55"/>
+    <p:sldId id="477" r:id="rId56"/>
+    <p:sldId id="478" r:id="rId57"/>
+    <p:sldId id="476" r:id="rId58"/>
+    <p:sldId id="475" r:id="rId59"/>
+    <p:sldId id="473" r:id="rId60"/>
+    <p:sldId id="427" r:id="rId61"/>
+    <p:sldId id="371" r:id="rId62"/>
+    <p:sldId id="417" r:id="rId63"/>
+    <p:sldId id="370" r:id="rId64"/>
+    <p:sldId id="434" r:id="rId65"/>
+    <p:sldId id="310" r:id="rId66"/>
   </p:sldIdLst>
   <p:sldSz cx="9144000" cy="5143500" type="screen16x9"/>
   <p:notesSz cx="6858000" cy="9144000"/>
@@ -323,7 +328,7 @@
             <a:fld id="{1BCE7D1B-E2D6-42EC-A46F-6B8D8AB722EA}" type="datetime1">
               <a:rPr lang="en-US" altLang="en-US"/>
               <a:pPr/>
-              <a:t>11/30/21</a:t>
+              <a:t>12/1/21</a:t>
             </a:fld>
             <a:endParaRPr lang="en-US" altLang="en-US"/>
           </a:p>
@@ -554,7 +559,7 @@
             <a:fld id="{60D4D74E-7671-46E5-9A5B-14F31A4C0D2E}" type="datetime1">
               <a:rPr lang="en-US" altLang="en-US"/>
               <a:pPr/>
-              <a:t>11/30/21</a:t>
+              <a:t>12/1/21</a:t>
             </a:fld>
             <a:endParaRPr lang="en-US" altLang="en-US"/>
           </a:p>
@@ -1142,7 +1147,7 @@
             <a:fld id="{3A1F50BE-48AE-4332-BF46-C112AB8C5E91}" type="slidenum">
               <a:rPr lang="en-CA" smtClean="0"/>
               <a:pPr/>
-              <a:t>43</a:t>
+              <a:t>41</a:t>
             </a:fld>
             <a:endParaRPr lang="en-CA"/>
           </a:p>
@@ -1232,7 +1237,7 @@
             <a:fld id="{3A1F50BE-48AE-4332-BF46-C112AB8C5E91}" type="slidenum">
               <a:rPr lang="en-CA" smtClean="0"/>
               <a:pPr/>
-              <a:t>44</a:t>
+              <a:t>42</a:t>
             </a:fld>
             <a:endParaRPr lang="en-CA"/>
           </a:p>
@@ -1712,7 +1717,7 @@
           <a:p>
             <a:fld id="{23F303CC-BC6F-44EE-9A09-81F690F71D2E}" type="datetime1">
               <a:rPr lang="en-US" altLang="en-US" smtClean="0"/>
-              <a:t>11/30/21</a:t>
+              <a:t>12/1/21</a:t>
             </a:fld>
             <a:endParaRPr lang="en-US" altLang="en-US" dirty="0"/>
           </a:p>
@@ -8893,7 +8898,7 @@
           <a:p>
             <a:fld id="{7CE3BD8C-C39F-4FFF-9CD5-05E4806DBFF3}" type="datetime1">
               <a:rPr lang="en-US" altLang="en-US" smtClean="0"/>
-              <a:t>11/30/21</a:t>
+              <a:t>12/1/21</a:t>
             </a:fld>
             <a:endParaRPr lang="en-US" altLang="en-US"/>
           </a:p>
@@ -9954,7 +9959,7 @@
               <a:rPr lang="en-CA" dirty="0">
                 <a:hlinkClick r:id="rId4"/>
               </a:rPr>
-              <a:t>https://fhir.hausamconsulting.com/r4/Condition?code:in=http%3A%2F%2Ffhir.hausamconsulting.com%2FbaseR4%2FValueSet%2Fupper-respiratory-infection</a:t>
+              <a:t>https://fhir.hausamconsulting.com/r4/Condition?code:in=http%3A%2F%2Fexample.org%2Fvs%2Fupper-respiratory-infection</a:t>
             </a:r>
             <a:endParaRPr lang="en-CA" dirty="0">
               <a:ea typeface="+mn-ea"/>
@@ -10099,7 +10104,19 @@
             </a:r>
             <a:r>
               <a:rPr lang="en-GB" dirty="0"/>
-              <a:t>/r4/Condition?code:not-in=http%3A%2F%2Ffhir.hausamconsulting.com%2FbaseR4%2FValueSet%2Fupper-respiratory-infection</a:t>
+              <a:t>/r4/</a:t>
+            </a:r>
+            <a:r>
+              <a:rPr lang="en-GB" dirty="0" err="1"/>
+              <a:t>Condition?code:not-in</a:t>
+            </a:r>
+            <a:r>
+              <a:rPr lang="en-GB" dirty="0"/>
+              <a:t>=</a:t>
+            </a:r>
+            <a:r>
+              <a:rPr lang="en-CA" dirty="0"/>
+              <a:t> http%3A%2F%2Fexample.org%2Fvs%2Fupper-respiratory-infection</a:t>
             </a:r>
             <a:br>
               <a:rPr lang="en-GB" dirty="0"/>
@@ -11081,11 +11098,7 @@
           <a:p>
             <a:pPr lvl="1"/>
             <a:r>
-              <a:rPr lang="en-AU" dirty="0">
-                <a:solidFill>
-                  <a:srgbClr val="FF0000"/>
-                </a:solidFill>
-              </a:rPr>
+              <a:rPr lang="en-AU" dirty="0"/>
               <a:t>$validate-code</a:t>
             </a:r>
           </a:p>
@@ -11148,7 +11161,7 @@
         <p:spPr>
           <a:xfrm>
             <a:off x="4689373" y="3631990"/>
-            <a:ext cx="3843815" cy="923330"/>
+            <a:ext cx="3843815" cy="369332"/>
           </a:xfrm>
           <a:prstGeom prst="rect">
             <a:avLst/>
@@ -11172,39 +11185,7 @@
                   <a:srgbClr val="FF0000"/>
                 </a:solidFill>
               </a:rPr>
-              <a:t>Operation was already included in </a:t>
-            </a:r>
-            <a:r>
-              <a:rPr lang="en-US" dirty="0" err="1">
-                <a:solidFill>
-                  <a:srgbClr val="FF0000"/>
-                </a:solidFill>
-              </a:rPr>
-              <a:t>ValueSet</a:t>
-            </a:r>
-            <a:r>
-              <a:rPr lang="en-US" dirty="0">
-                <a:solidFill>
-                  <a:srgbClr val="FF0000"/>
-                </a:solidFill>
-              </a:rPr>
-              <a:t>, but is also a new addition for </a:t>
-            </a:r>
-            <a:r>
-              <a:rPr lang="en-US" dirty="0" err="1">
-                <a:solidFill>
-                  <a:srgbClr val="FF0000"/>
-                </a:solidFill>
-              </a:rPr>
-              <a:t>CodeSystem</a:t>
-            </a:r>
-            <a:r>
-              <a:rPr lang="en-US" dirty="0">
-                <a:solidFill>
-                  <a:srgbClr val="FF0000"/>
-                </a:solidFill>
-              </a:rPr>
-              <a:t> in R4</a:t>
+              <a:t>Added in R4</a:t>
             </a:r>
           </a:p>
         </p:txBody>
@@ -11226,8 +11207,8 @@
         </p:nvCxnSpPr>
         <p:spPr bwMode="auto">
           <a:xfrm flipH="1">
-            <a:off x="3561907" y="4093655"/>
-            <a:ext cx="1127466" cy="704039"/>
+            <a:off x="3561907" y="3816656"/>
+            <a:ext cx="1127466" cy="981038"/>
           </a:xfrm>
           <a:prstGeom prst="straightConnector1">
             <a:avLst/>
@@ -11297,7 +11278,7 @@
                   <a:srgbClr val="FF0000"/>
                 </a:solidFill>
               </a:rPr>
-              <a:t>Renamed in R4 – previously $compose</a:t>
+              <a:t>Renamed in R4 (previously $compose)</a:t>
             </a:r>
           </a:p>
         </p:txBody>
@@ -12295,7 +12276,7 @@
               <a:rPr lang="en-US" dirty="0">
                 <a:hlinkClick r:id="rId3"/>
               </a:rPr>
-              <a:t>http://hapi.fhir.org/baseR4/ValueSet/observation-category</a:t>
+              <a:t>https://fhir.hausamconsulting.com/r4/ValueSet/observation-category</a:t>
             </a:r>
             <a:endParaRPr lang="en-US" dirty="0"/>
           </a:p>
@@ -12305,7 +12286,7 @@
               <a:rPr lang="en-US" dirty="0">
                 <a:hlinkClick r:id="rId4"/>
               </a:rPr>
-              <a:t>http://hapi.fhir.org/baseR4/ValueSet/observation-category/$expand</a:t>
+              <a:t>https://fhir.hausamconsulting.com/r4/ValueSet/observation-category/$expand</a:t>
             </a:r>
             <a:endParaRPr lang="en-US" dirty="0"/>
           </a:p>
@@ -12451,17 +12432,8 @@
             </a:r>
             <a:r>
               <a:rPr lang="en-CA" baseline="0" dirty="0"/>
-              <a:t> and checks if it’s valid against a value set </a:t>
-            </a:r>
-            <a:r>
-              <a:rPr lang="en-CA" baseline="0" dirty="0">
-                <a:solidFill>
-                  <a:srgbClr val="FF0000"/>
-                </a:solidFill>
-              </a:rPr>
-              <a:t>or a code system (as of R4)</a:t>
-            </a:r>
-            <a:endParaRPr lang="en-CA" baseline="0" dirty="0"/>
+              <a:t> and checks if it’s valid against a value set or a code system</a:t>
+            </a:r>
           </a:p>
           <a:p>
             <a:pPr lvl="1"/>
@@ -12645,7 +12617,7 @@
               <a:rPr lang="en-US" dirty="0">
                 <a:hlinkClick r:id="rId2"/>
               </a:rPr>
-              <a:t>http://hapi.fhir.org/baseR4/ValueSet/$validate-code?url=http://hl7.org/fhir/ValueSet/condition-category&amp;system=http://terminology.hl7.org/CodeSystem/condition-category&amp;code=problem-list-item</a:t>
+              <a:t>https://fhir.hausamconsulting.com/r4/ValueSet/$validate-code?url=http://hl7.org/fhir/ValueSet/condition-category&amp;system=http://terminology.hl7.org/CodeSystem/condition-category&amp;code=problem-list-item</a:t>
             </a:r>
             <a:endParaRPr lang="en-US" dirty="0"/>
           </a:p>
@@ -14045,7 +14017,7 @@
           <a:p>
             <a:r>
               <a:rPr lang="en-US" dirty="0"/>
-              <a:t>$translate example (1)</a:t>
+              <a:t>$translate example</a:t>
             </a:r>
           </a:p>
         </p:txBody>
@@ -14071,119 +14043,51 @@
             </a:r>
             <a:r>
               <a:rPr lang="en-US" dirty="0"/>
-              <a:t> $translate tutorial example: “emotion mappings”</a:t>
-            </a:r>
-            <a:endParaRPr lang="en-US" dirty="0">
-              <a:hlinkClick r:id="rId2">
-                <a:extLst>
-                  <a:ext uri="{A12FA001-AC4F-418D-AE19-62706E023703}">
-                    <ahyp:hlinkClr xmlns:ahyp="http://schemas.microsoft.com/office/drawing/2018/hyperlinkcolor" val="tx"/>
-                  </a:ext>
-                </a:extLst>
-              </a:hlinkClick>
-            </a:endParaRPr>
-          </a:p>
-          <a:p>
-            <a:pPr lvl="1"/>
-            <a:r>
-              <a:rPr lang="en-US" dirty="0" err="1"/>
-              <a:t>ConceptMap</a:t>
-            </a:r>
-            <a:r>
-              <a:rPr lang="en-US" dirty="0"/>
-              <a:t> resource used in the example</a:t>
+              <a:t> $translate tutorial example:</a:t>
             </a:r>
             <a:br>
               <a:rPr lang="en-US" dirty="0"/>
             </a:br>
             <a:r>
-              <a:rPr lang="en-US" dirty="0">
-                <a:hlinkClick r:id="rId3"/>
-              </a:rPr>
-              <a:t>http://hapi.fhir.org/baseR4/ConceptMap/50293</a:t>
-            </a:r>
-            <a:endParaRPr lang="en-US" dirty="0"/>
+              <a:rPr lang="en-US" dirty="0"/>
+              <a:t>FHIR address-use to V3 </a:t>
+            </a:r>
+            <a:r>
+              <a:rPr lang="en-US" dirty="0" err="1"/>
+              <a:t>AddressUse</a:t>
+            </a:r>
+            <a:r>
+              <a:rPr lang="en-US" dirty="0"/>
+              <a:t> value sets (</a:t>
+            </a:r>
+            <a:r>
+              <a:rPr lang="en-US" dirty="0" err="1"/>
+              <a:t>Terminz</a:t>
+            </a:r>
+            <a:r>
+              <a:rPr lang="en-US" dirty="0"/>
+              <a:t>)</a:t>
+            </a:r>
           </a:p>
           <a:p>
             <a:pPr lvl="1"/>
             <a:r>
+              <a:rPr lang="en-US" dirty="0" err="1"/>
+              <a:t>ConceptMap</a:t>
+            </a:r>
+            <a:r>
               <a:rPr lang="en-US" dirty="0"/>
-              <a:t>Source </a:t>
-            </a:r>
-            <a:r>
-              <a:rPr lang="en-US" dirty="0" err="1"/>
-              <a:t>CodeSystem</a:t>
-            </a:r>
-            <a:r>
-              <a:rPr lang="en-US" dirty="0"/>
-              <a:t> (for </a:t>
-            </a:r>
-            <a:r>
-              <a:rPr lang="en-US" dirty="0" err="1"/>
-              <a:t>ValueSet</a:t>
-            </a:r>
-            <a:r>
-              <a:rPr lang="en-US" dirty="0"/>
-              <a:t>) resource used in the example</a:t>
+              <a:t> resource used in the example:</a:t>
             </a:r>
             <a:br>
               <a:rPr lang="en-US" dirty="0"/>
             </a:br>
             <a:r>
               <a:rPr lang="en-US" dirty="0">
-                <a:hlinkClick r:id="rId4"/>
+                <a:hlinkClick r:id="rId2"/>
               </a:rPr>
-              <a:t>http://hapi.fhir.org/baseR4/CodeSystem?url=urn:uuid:6b15b79f-10f4-48c6-a343-79066121b86b</a:t>
-            </a:r>
-            <a:endParaRPr lang="en-US" dirty="0"/>
-          </a:p>
-          <a:p>
-            <a:pPr lvl="1"/>
-            <a:r>
-              <a:rPr lang="en-US" dirty="0"/>
-              <a:t>Target </a:t>
-            </a:r>
-            <a:r>
-              <a:rPr lang="en-US" dirty="0" err="1"/>
-              <a:t>CodeSystem</a:t>
-            </a:r>
-            <a:r>
-              <a:rPr lang="en-US" dirty="0"/>
-              <a:t> (for </a:t>
-            </a:r>
-            <a:r>
-              <a:rPr lang="en-US" dirty="0" err="1"/>
-              <a:t>ValueSet</a:t>
-            </a:r>
-            <a:r>
-              <a:rPr lang="en-US" dirty="0"/>
-              <a:t>) resource used in the example</a:t>
-            </a:r>
-            <a:br>
-              <a:rPr lang="en-US" dirty="0"/>
-            </a:br>
-            <a:r>
-              <a:rPr lang="en-US" dirty="0">
-                <a:hlinkClick r:id="rId5"/>
-              </a:rPr>
-              <a:t>http://hapi.fhir.org/baseR4/CodeSystem?url=urn:uuid:65802352-0507-41da-bc6d-0672995af417</a:t>
-            </a:r>
-            <a:endParaRPr lang="en-US" dirty="0">
-              <a:hlinkClick r:id="rId6"/>
-            </a:endParaRPr>
-          </a:p>
-          <a:p>
-            <a:pPr marL="342900" lvl="1" indent="0">
-              <a:buNone/>
-            </a:pPr>
-            <a:endParaRPr lang="en-US" dirty="0">
-              <a:hlinkClick r:id="rId2"/>
-            </a:endParaRPr>
-          </a:p>
-          <a:p>
-            <a:pPr marL="0" indent="0">
-              <a:buNone/>
-            </a:pPr>
+              <a:t>https://terminz.azurewebsites.net/fhir/ConceptMap?source=http://hl7.org/fhir/ValueSet/address-use&amp;target=http://terminology.hl7.org/ValueSet/v3-AddressUse&amp;_format=json&amp;_pretty=true</a:t>
+            </a:r>
             <a:endParaRPr lang="en-US" dirty="0"/>
           </a:p>
         </p:txBody>
@@ -14215,7 +14119,7 @@
     </p:spTree>
     <p:extLst>
       <p:ext uri="{BB962C8B-B14F-4D97-AF65-F5344CB8AC3E}">
-        <p14:creationId xmlns:p14="http://schemas.microsoft.com/office/powerpoint/2010/main" val="1190479367"/>
+        <p14:creationId xmlns:p14="http://schemas.microsoft.com/office/powerpoint/2010/main" val="3537866784"/>
       </p:ext>
     </p:extLst>
   </p:cSld>
@@ -14259,7 +14163,7 @@
           <a:p>
             <a:r>
               <a:rPr lang="en-US" dirty="0"/>
-              <a:t>$translate example (1)</a:t>
+              <a:t>$translate example</a:t>
             </a:r>
           </a:p>
         </p:txBody>
@@ -14285,64 +14189,40 @@
             </a:r>
             <a:r>
               <a:rPr lang="en-US" dirty="0"/>
-              <a:t> $translate tutorial example: “emotion mappings”</a:t>
-            </a:r>
-            <a:endParaRPr lang="en-US" dirty="0">
-              <a:hlinkClick r:id="rId2">
-                <a:extLst>
-                  <a:ext uri="{A12FA001-AC4F-418D-AE19-62706E023703}">
-                    <ahyp:hlinkClr xmlns:ahyp="http://schemas.microsoft.com/office/drawing/2018/hyperlinkcolor" val="tx"/>
-                  </a:ext>
-                </a:extLst>
-              </a:hlinkClick>
-            </a:endParaRPr>
+              <a:t> $translate tutorial example:</a:t>
+            </a:r>
+            <a:br>
+              <a:rPr lang="en-US" dirty="0"/>
+            </a:br>
+            <a:r>
+              <a:rPr lang="en-US" dirty="0"/>
+              <a:t>FHIR address-use to V3 </a:t>
+            </a:r>
+            <a:r>
+              <a:rPr lang="en-US" dirty="0" err="1"/>
+              <a:t>AddressUse</a:t>
+            </a:r>
+            <a:r>
+              <a:rPr lang="en-US" dirty="0"/>
+              <a:t> value sets (</a:t>
+            </a:r>
+            <a:r>
+              <a:rPr lang="en-US" dirty="0" err="1"/>
+              <a:t>Terminz</a:t>
+            </a:r>
+            <a:r>
+              <a:rPr lang="en-US" dirty="0"/>
+              <a:t>)</a:t>
+            </a:r>
           </a:p>
           <a:p>
             <a:pPr lvl="1"/>
             <a:r>
               <a:rPr lang="en-US" dirty="0">
-                <a:hlinkClick r:id="rId3"/>
+                <a:hlinkClick r:id="rId2"/>
               </a:rPr>
-              <a:t>http://hapi.fhir.org/baseR4/ConceptMap/</a:t>
-            </a:r>
-            <a:r>
-              <a:rPr lang="en-US" b="1" dirty="0">
-                <a:hlinkClick r:id="rId3"/>
-              </a:rPr>
-              <a:t>$translate</a:t>
-            </a:r>
-            <a:r>
-              <a:rPr lang="en-US" dirty="0">
-                <a:hlinkClick r:id="rId3"/>
-              </a:rPr>
-              <a:t>?system=urn:uuid:6b15b79f-10f4-48c6-a343-79066121b86b&amp;code=</a:t>
-            </a:r>
-            <a:r>
-              <a:rPr lang="en-US" b="1" dirty="0">
-                <a:hlinkClick r:id="rId3"/>
-              </a:rPr>
-              <a:t>contended</a:t>
-            </a:r>
-            <a:r>
-              <a:rPr lang="en-US" dirty="0">
-                <a:hlinkClick r:id="rId3"/>
-              </a:rPr>
-              <a:t>&amp;source=urn:uuid:6b15b79f-10f4-48c6-a343-79066121b86b&amp;target=urn:uuid:65802352-0507-41da-bc6d-0672995af417</a:t>
-            </a:r>
-            <a:endParaRPr lang="en-US" dirty="0"/>
-          </a:p>
-          <a:p>
-            <a:pPr marL="342900" lvl="1" indent="0">
-              <a:buNone/>
-            </a:pPr>
-            <a:endParaRPr lang="en-US" dirty="0">
-              <a:hlinkClick r:id="rId2"/>
-            </a:endParaRPr>
-          </a:p>
-          <a:p>
-            <a:pPr marL="0" indent="0">
-              <a:buNone/>
-            </a:pPr>
+              <a:t>https://terminz.azurewebsites.net/fhir/ConceptMap/$translate?system=http://hl7.org/fhir/address-use&amp;code=home&amp;source=http://hl7.org/fhir/ValueSet/address-use&amp;target=http://terminology.hl7.org/ValueSet/v3-AddressUse&amp;_format=json&amp;_pretty=true</a:t>
+            </a:r>
             <a:endParaRPr lang="en-US" dirty="0"/>
           </a:p>
         </p:txBody>
@@ -14374,7 +14254,7 @@
     </p:spTree>
     <p:extLst>
       <p:ext uri="{BB962C8B-B14F-4D97-AF65-F5344CB8AC3E}">
-        <p14:creationId xmlns:p14="http://schemas.microsoft.com/office/powerpoint/2010/main" val="3279869406"/>
+        <p14:creationId xmlns:p14="http://schemas.microsoft.com/office/powerpoint/2010/main" val="66635383"/>
       </p:ext>
     </p:extLst>
   </p:cSld>
@@ -14403,7 +14283,13 @@
       </p:grpSpPr>
       <p:sp>
         <p:nvSpPr>
-          <p:cNvPr id="2" name="Title 1"/>
+          <p:cNvPr id="2" name="Title 1">
+            <a:extLst>
+              <a:ext uri="{FF2B5EF4-FFF2-40B4-BE49-F238E27FC236}">
+                <a16:creationId xmlns:a16="http://schemas.microsoft.com/office/drawing/2014/main" id="{4212A2B2-4F5C-D04C-B5CE-8199AC5B3139}"/>
+              </a:ext>
+            </a:extLst>
+          </p:cNvPr>
           <p:cNvSpPr>
             <a:spLocks noGrp="1"/>
           </p:cNvSpPr>
@@ -14417,15 +14303,21 @@
           <a:lstStyle/>
           <a:p>
             <a:r>
-              <a:rPr lang="en-US" dirty="0"/>
-              <a:t>$translate example (2)</a:t>
-            </a:r>
-          </a:p>
-        </p:txBody>
-      </p:sp>
-      <p:sp>
-        <p:nvSpPr>
-          <p:cNvPr id="3" name="Content Placeholder 2"/>
+              <a:rPr lang="en-US"/>
+              <a:t>Some Useful Ideas</a:t>
+            </a:r>
+          </a:p>
+        </p:txBody>
+      </p:sp>
+      <p:sp>
+        <p:nvSpPr>
+          <p:cNvPr id="3" name="Content Placeholder 2">
+            <a:extLst>
+              <a:ext uri="{FF2B5EF4-FFF2-40B4-BE49-F238E27FC236}">
+                <a16:creationId xmlns:a16="http://schemas.microsoft.com/office/drawing/2014/main" id="{6E2A823B-9416-8E44-A89D-BF39C8C5C3EC}"/>
+              </a:ext>
+            </a:extLst>
+          </p:cNvPr>
           <p:cNvSpPr>
             <a:spLocks noGrp="1"/>
           </p:cNvSpPr>
@@ -14433,69 +14325,115 @@
             <p:ph type="body" sz="quarter" idx="13"/>
           </p:nvPr>
         </p:nvSpPr>
-        <p:spPr/>
-        <p:txBody>
-          <a:bodyPr/>
-          <a:lstStyle/>
-          <a:p>
-            <a:r>
-              <a:rPr lang="en-US" dirty="0" err="1"/>
-              <a:t>ConceptMap</a:t>
-            </a:r>
-            <a:r>
-              <a:rPr lang="en-US" dirty="0"/>
-              <a:t> $translate tutorial example:</a:t>
-            </a:r>
-            <a:br>
-              <a:rPr lang="en-US" dirty="0"/>
-            </a:br>
-            <a:r>
-              <a:rPr lang="en-US" dirty="0"/>
-              <a:t>FHIR address-use to V3 </a:t>
-            </a:r>
-            <a:r>
-              <a:rPr lang="en-US" dirty="0" err="1"/>
-              <a:t>AddressUse</a:t>
-            </a:r>
-            <a:r>
-              <a:rPr lang="en-US" dirty="0"/>
-              <a:t> value sets (</a:t>
-            </a:r>
-            <a:r>
-              <a:rPr lang="en-US" dirty="0" err="1"/>
-              <a:t>Terminz</a:t>
-            </a:r>
-            <a:r>
-              <a:rPr lang="en-US" dirty="0"/>
-              <a:t>)</a:t>
+        <p:spPr>
+          <a:xfrm>
+            <a:off x="614362" y="1161288"/>
+            <a:ext cx="8228883" cy="2929042"/>
+          </a:xfrm>
+        </p:spPr>
+        <p:txBody>
+          <a:bodyPr/>
+          <a:lstStyle/>
+          <a:p>
+            <a:r>
+              <a:rPr lang="en-GB" dirty="0"/>
+              <a:t>Paging</a:t>
             </a:r>
           </a:p>
           <a:p>
             <a:pPr lvl="1"/>
             <a:r>
-              <a:rPr lang="en-US" dirty="0" err="1"/>
-              <a:t>ConceptMap</a:t>
-            </a:r>
-            <a:r>
-              <a:rPr lang="en-US" dirty="0"/>
-              <a:t> resource used in the example:</a:t>
-            </a:r>
-            <a:br>
-              <a:rPr lang="en-US" dirty="0"/>
-            </a:br>
-            <a:r>
-              <a:rPr lang="en-US" dirty="0">
-                <a:hlinkClick r:id="rId2"/>
-              </a:rPr>
-              <a:t>https://terminz.azurewebsites.net/fhir/ConceptMap?source=http://hl7.org/fhir/ValueSet/address-use&amp;target=http://terminology.hl7.org/ValueSet/v3-AddressUse&amp;_format=json&amp;_pretty=true</a:t>
-            </a:r>
+              <a:rPr lang="en-GB" dirty="0"/>
+              <a:t>Search results can be paged</a:t>
+            </a:r>
+          </a:p>
+          <a:p>
+            <a:pPr lvl="2"/>
+            <a:r>
+              <a:rPr lang="en-GB" dirty="0"/>
+              <a:t>http://hl7.org/</a:t>
+            </a:r>
+            <a:r>
+              <a:rPr lang="en-GB" dirty="0" err="1"/>
+              <a:t>fhir</a:t>
+            </a:r>
+            <a:r>
+              <a:rPr lang="en-GB" dirty="0"/>
+              <a:t>/</a:t>
+            </a:r>
+            <a:r>
+              <a:rPr lang="en-GB" dirty="0" err="1"/>
+              <a:t>search.html</a:t>
+            </a:r>
+            <a:r>
+              <a:rPr lang="en-GB" dirty="0"/>
+              <a:t>, see the _count parameter</a:t>
+            </a:r>
+          </a:p>
+          <a:p>
+            <a:pPr lvl="1"/>
+            <a:r>
+              <a:rPr lang="en-GB" dirty="0"/>
+              <a:t>$expand results have a separate paging mechanism (count, offset)</a:t>
+            </a:r>
+          </a:p>
+          <a:p>
+            <a:r>
+              <a:rPr lang="en-GB" dirty="0"/>
+              <a:t>May improve performance by requesting specific elements</a:t>
+            </a:r>
+          </a:p>
+          <a:p>
+            <a:pPr lvl="1"/>
+            <a:r>
+              <a:rPr lang="en-GB" dirty="0"/>
+              <a:t>‘</a:t>
+            </a:r>
+            <a:r>
+              <a:rPr lang="en-GB" dirty="0" err="1"/>
+              <a:t>includeDefinition</a:t>
+            </a:r>
+            <a:r>
+              <a:rPr lang="en-GB" dirty="0"/>
+              <a:t>’ or ‘</a:t>
+            </a:r>
+            <a:r>
+              <a:rPr lang="en-GB" dirty="0" err="1"/>
+              <a:t>includeDesignations</a:t>
+            </a:r>
+            <a:r>
+              <a:rPr lang="en-GB" dirty="0"/>
+              <a:t>’ on $expand</a:t>
+            </a:r>
+          </a:p>
+          <a:p>
+            <a:pPr lvl="1"/>
+            <a:r>
+              <a:rPr lang="en-GB" dirty="0"/>
+              <a:t>‘property’ to specify which properties to return on $lookup</a:t>
+            </a:r>
+          </a:p>
+          <a:p>
+            <a:pPr lvl="1"/>
+            <a:r>
+              <a:rPr lang="en-GB" dirty="0"/>
+              <a:t>‘_elements’ to request specific elements to be returned on search/read operation results</a:t>
+            </a:r>
+          </a:p>
+          <a:p>
             <a:endParaRPr lang="en-US" dirty="0"/>
           </a:p>
         </p:txBody>
       </p:sp>
       <p:sp>
         <p:nvSpPr>
-          <p:cNvPr id="4" name="Slide Number Placeholder 3"/>
+          <p:cNvPr id="4" name="Slide Number Placeholder 3">
+            <a:extLst>
+              <a:ext uri="{FF2B5EF4-FFF2-40B4-BE49-F238E27FC236}">
+                <a16:creationId xmlns:a16="http://schemas.microsoft.com/office/drawing/2014/main" id="{666C455F-A683-BE40-A9EC-D7025DD86994}"/>
+              </a:ext>
+            </a:extLst>
+          </p:cNvPr>
           <p:cNvSpPr>
             <a:spLocks noGrp="1"/>
           </p:cNvSpPr>
@@ -14520,7 +14458,7 @@
     </p:spTree>
     <p:extLst>
       <p:ext uri="{BB962C8B-B14F-4D97-AF65-F5344CB8AC3E}">
-        <p14:creationId xmlns:p14="http://schemas.microsoft.com/office/powerpoint/2010/main" val="3537866784"/>
+        <p14:creationId xmlns:p14="http://schemas.microsoft.com/office/powerpoint/2010/main" val="1420339500"/>
       </p:ext>
     </p:extLst>
   </p:cSld>
@@ -14549,7 +14487,13 @@
       </p:grpSpPr>
       <p:sp>
         <p:nvSpPr>
-          <p:cNvPr id="2" name="Title 1"/>
+          <p:cNvPr id="2" name="Title 1">
+            <a:extLst>
+              <a:ext uri="{FF2B5EF4-FFF2-40B4-BE49-F238E27FC236}">
+                <a16:creationId xmlns:a16="http://schemas.microsoft.com/office/drawing/2014/main" id="{4212A2B2-4F5C-D04C-B5CE-8199AC5B3139}"/>
+              </a:ext>
+            </a:extLst>
+          </p:cNvPr>
           <p:cNvSpPr>
             <a:spLocks noGrp="1"/>
           </p:cNvSpPr>
@@ -14563,15 +14507,21 @@
           <a:lstStyle/>
           <a:p>
             <a:r>
-              <a:rPr lang="en-US" dirty="0"/>
-              <a:t>$translate example (2)</a:t>
-            </a:r>
-          </a:p>
-        </p:txBody>
-      </p:sp>
-      <p:sp>
-        <p:nvSpPr>
-          <p:cNvPr id="3" name="Content Placeholder 2"/>
+              <a:rPr lang="en-US"/>
+              <a:t>Other Useful Ideas</a:t>
+            </a:r>
+          </a:p>
+        </p:txBody>
+      </p:sp>
+      <p:sp>
+        <p:nvSpPr>
+          <p:cNvPr id="3" name="Content Placeholder 2">
+            <a:extLst>
+              <a:ext uri="{FF2B5EF4-FFF2-40B4-BE49-F238E27FC236}">
+                <a16:creationId xmlns:a16="http://schemas.microsoft.com/office/drawing/2014/main" id="{6E2A823B-9416-8E44-A89D-BF39C8C5C3EC}"/>
+              </a:ext>
+            </a:extLst>
+          </p:cNvPr>
           <p:cNvSpPr>
             <a:spLocks noGrp="1"/>
           </p:cNvSpPr>
@@ -14579,58 +14529,83 @@
             <p:ph type="body" sz="quarter" idx="13"/>
           </p:nvPr>
         </p:nvSpPr>
-        <p:spPr/>
-        <p:txBody>
-          <a:bodyPr/>
-          <a:lstStyle/>
-          <a:p>
-            <a:r>
-              <a:rPr lang="en-US" dirty="0" err="1"/>
-              <a:t>ConceptMap</a:t>
-            </a:r>
-            <a:r>
-              <a:rPr lang="en-US" dirty="0"/>
-              <a:t> $translate tutorial example:</a:t>
-            </a:r>
-            <a:br>
-              <a:rPr lang="en-US" dirty="0"/>
-            </a:br>
-            <a:r>
-              <a:rPr lang="en-US" dirty="0"/>
-              <a:t>FHIR address-use to V3 </a:t>
-            </a:r>
-            <a:r>
-              <a:rPr lang="en-US" dirty="0" err="1"/>
-              <a:t>AddressUse</a:t>
-            </a:r>
-            <a:r>
-              <a:rPr lang="en-US" dirty="0"/>
-              <a:t> value sets (</a:t>
-            </a:r>
-            <a:r>
-              <a:rPr lang="en-US" dirty="0" err="1"/>
-              <a:t>Terminz</a:t>
-            </a:r>
-            <a:r>
-              <a:rPr lang="en-US" dirty="0"/>
-              <a:t>)</a:t>
+        <p:spPr>
+          <a:xfrm>
+            <a:off x="614362" y="1344168"/>
+            <a:ext cx="8228883" cy="2929042"/>
+          </a:xfrm>
+        </p:spPr>
+        <p:txBody>
+          <a:bodyPr/>
+          <a:lstStyle/>
+          <a:p>
+            <a:r>
+              <a:rPr lang="en-GB" dirty="0"/>
+              <a:t>Batch Processing</a:t>
             </a:r>
           </a:p>
           <a:p>
             <a:pPr lvl="1"/>
             <a:r>
-              <a:rPr lang="en-US" dirty="0">
+              <a:rPr lang="en-GB" dirty="0"/>
+              <a:t>Many terminology operations are small</a:t>
+            </a:r>
+          </a:p>
+          <a:p>
+            <a:pPr lvl="1"/>
+            <a:r>
+              <a:rPr lang="en-GB" dirty="0"/>
+              <a:t>It maybe more efficient to send them as a batch and deal with the result when it comes back</a:t>
+            </a:r>
+          </a:p>
+          <a:p>
+            <a:pPr lvl="2"/>
+            <a:r>
+              <a:rPr lang="en-GB" dirty="0">
                 <a:hlinkClick r:id="rId2"/>
               </a:rPr>
-              <a:t>https://terminz.azurewebsites.net/fhir/ConceptMap/$translate?system=http://hl7.org/fhir/address-use&amp;code=home&amp;source=http://hl7.org/fhir/ValueSet/address-use&amp;target=http://terminology.hl7.org/ValueSet/v3-AddressUse&amp;_format=json&amp;_pretty=true</a:t>
-            </a:r>
+              <a:t>http://hl7.org/fhir/http.html#transaction</a:t>
+            </a:r>
+            <a:endParaRPr lang="en-GB" dirty="0"/>
+          </a:p>
+          <a:p>
+            <a:r>
+              <a:rPr lang="en-GB" dirty="0"/>
+              <a:t>Manage content types (Content-Type, Accept, _format)</a:t>
+            </a:r>
+          </a:p>
+          <a:p>
+            <a:pPr lvl="1"/>
+            <a:r>
+              <a:rPr lang="en-GB" dirty="0"/>
+              <a:t>JSON or XML</a:t>
+            </a:r>
+          </a:p>
+          <a:p>
+            <a:r>
+              <a:rPr lang="en-GB" dirty="0"/>
+              <a:t>Accept-Encoding: </a:t>
+            </a:r>
+            <a:r>
+              <a:rPr lang="en-GB" dirty="0" err="1"/>
+              <a:t>gzip</a:t>
+            </a:r>
+            <a:endParaRPr lang="en-GB" dirty="0"/>
+          </a:p>
+          <a:p>
             <a:endParaRPr lang="en-US" dirty="0"/>
           </a:p>
         </p:txBody>
       </p:sp>
       <p:sp>
         <p:nvSpPr>
-          <p:cNvPr id="4" name="Slide Number Placeholder 3"/>
+          <p:cNvPr id="4" name="Slide Number Placeholder 3">
+            <a:extLst>
+              <a:ext uri="{FF2B5EF4-FFF2-40B4-BE49-F238E27FC236}">
+                <a16:creationId xmlns:a16="http://schemas.microsoft.com/office/drawing/2014/main" id="{666C455F-A683-BE40-A9EC-D7025DD86994}"/>
+              </a:ext>
+            </a:extLst>
+          </p:cNvPr>
           <p:cNvSpPr>
             <a:spLocks noGrp="1"/>
           </p:cNvSpPr>
@@ -14655,7 +14630,7 @@
     </p:spTree>
     <p:extLst>
       <p:ext uri="{BB962C8B-B14F-4D97-AF65-F5344CB8AC3E}">
-        <p14:creationId xmlns:p14="http://schemas.microsoft.com/office/powerpoint/2010/main" val="66635383"/>
+        <p14:creationId xmlns:p14="http://schemas.microsoft.com/office/powerpoint/2010/main" val="1394965476"/>
       </p:ext>
     </p:extLst>
   </p:cSld>
@@ -14687,7 +14662,7 @@
           <p:cNvPr id="2" name="Title 1">
             <a:extLst>
               <a:ext uri="{FF2B5EF4-FFF2-40B4-BE49-F238E27FC236}">
-                <a16:creationId xmlns:a16="http://schemas.microsoft.com/office/drawing/2014/main" id="{4212A2B2-4F5C-D04C-B5CE-8199AC5B3139}"/>
+                <a16:creationId xmlns:a16="http://schemas.microsoft.com/office/drawing/2014/main" id="{8827DABF-6A5F-5348-9424-6F5946865EB6}"/>
               </a:ext>
             </a:extLst>
           </p:cNvPr>
@@ -14704,18 +14679,23 @@
           <a:lstStyle/>
           <a:p>
             <a:r>
-              <a:rPr lang="en-US"/>
-              <a:t>Some Useful Ideas</a:t>
-            </a:r>
-          </a:p>
-        </p:txBody>
-      </p:sp>
-      <p:sp>
-        <p:nvSpPr>
-          <p:cNvPr id="3" name="Content Placeholder 2">
+              <a:rPr lang="en-US" dirty="0"/>
+              <a:t>Scenarios and strategies for using Terminology </a:t>
+            </a:r>
+            <a:r>
+              <a:rPr lang="en-US" dirty="0" err="1"/>
+              <a:t>serviceS</a:t>
+            </a:r>
+            <a:endParaRPr lang="en-US" dirty="0"/>
+          </a:p>
+        </p:txBody>
+      </p:sp>
+      <p:sp>
+        <p:nvSpPr>
+          <p:cNvPr id="5" name="Slide Number Placeholder 3">
             <a:extLst>
               <a:ext uri="{FF2B5EF4-FFF2-40B4-BE49-F238E27FC236}">
-                <a16:creationId xmlns:a16="http://schemas.microsoft.com/office/drawing/2014/main" id="{6E2A823B-9416-8E44-A89D-BF39C8C5C3EC}"/>
+                <a16:creationId xmlns:a16="http://schemas.microsoft.com/office/drawing/2014/main" id="{377EF9EF-EAC0-644E-BC57-0CF0FD70014F}"/>
               </a:ext>
             </a:extLst>
           </p:cNvPr>
@@ -14723,126 +14703,15 @@
             <a:spLocks noGrp="1"/>
           </p:cNvSpPr>
           <p:nvPr>
-            <p:ph type="body" sz="quarter" idx="13"/>
+            <p:ph type="sldNum" sz="quarter" idx="11"/>
           </p:nvPr>
         </p:nvSpPr>
         <p:spPr>
           <a:xfrm>
-            <a:off x="614362" y="1161288"/>
-            <a:ext cx="8228883" cy="2929042"/>
+            <a:off x="7662862" y="4808560"/>
+            <a:ext cx="271463" cy="158750"/>
           </a:xfrm>
         </p:spPr>
-        <p:txBody>
-          <a:bodyPr/>
-          <a:lstStyle/>
-          <a:p>
-            <a:r>
-              <a:rPr lang="en-GB" dirty="0"/>
-              <a:t>Paging</a:t>
-            </a:r>
-          </a:p>
-          <a:p>
-            <a:pPr lvl="1"/>
-            <a:r>
-              <a:rPr lang="en-GB" dirty="0"/>
-              <a:t>Search results can be paged</a:t>
-            </a:r>
-          </a:p>
-          <a:p>
-            <a:pPr lvl="2"/>
-            <a:r>
-              <a:rPr lang="en-GB" dirty="0"/>
-              <a:t>http://hl7.org/</a:t>
-            </a:r>
-            <a:r>
-              <a:rPr lang="en-GB" dirty="0" err="1"/>
-              <a:t>fhir</a:t>
-            </a:r>
-            <a:r>
-              <a:rPr lang="en-GB" dirty="0"/>
-              <a:t>/</a:t>
-            </a:r>
-            <a:r>
-              <a:rPr lang="en-GB" dirty="0" err="1"/>
-              <a:t>search.html</a:t>
-            </a:r>
-            <a:r>
-              <a:rPr lang="en-GB" dirty="0"/>
-              <a:t>, see the _count parameter</a:t>
-            </a:r>
-          </a:p>
-          <a:p>
-            <a:pPr lvl="1"/>
-            <a:r>
-              <a:rPr lang="en-GB" dirty="0"/>
-              <a:t>$expand results have a separate paging mechanism (count, offset)</a:t>
-            </a:r>
-          </a:p>
-          <a:p>
-            <a:r>
-              <a:rPr lang="en-GB" dirty="0"/>
-              <a:t>May improve performance by requesting specific elements</a:t>
-            </a:r>
-          </a:p>
-          <a:p>
-            <a:pPr lvl="1"/>
-            <a:r>
-              <a:rPr lang="en-GB" dirty="0"/>
-              <a:t>‘</a:t>
-            </a:r>
-            <a:r>
-              <a:rPr lang="en-GB" dirty="0" err="1"/>
-              <a:t>includeDefinition</a:t>
-            </a:r>
-            <a:r>
-              <a:rPr lang="en-GB" dirty="0"/>
-              <a:t>’ or ‘</a:t>
-            </a:r>
-            <a:r>
-              <a:rPr lang="en-GB" dirty="0" err="1"/>
-              <a:t>includeDesignations</a:t>
-            </a:r>
-            <a:r>
-              <a:rPr lang="en-GB" dirty="0"/>
-              <a:t>’ on $expand</a:t>
-            </a:r>
-          </a:p>
-          <a:p>
-            <a:pPr lvl="1"/>
-            <a:r>
-              <a:rPr lang="en-GB" dirty="0"/>
-              <a:t>‘property’ to specify which properties to return on $lookup</a:t>
-            </a:r>
-          </a:p>
-          <a:p>
-            <a:pPr lvl="1"/>
-            <a:r>
-              <a:rPr lang="en-GB" dirty="0"/>
-              <a:t>‘_elements’ to request specific elements to be returned on search/read operation results</a:t>
-            </a:r>
-          </a:p>
-          <a:p>
-            <a:endParaRPr lang="en-US" dirty="0"/>
-          </a:p>
-        </p:txBody>
-      </p:sp>
-      <p:sp>
-        <p:nvSpPr>
-          <p:cNvPr id="4" name="Slide Number Placeholder 3">
-            <a:extLst>
-              <a:ext uri="{FF2B5EF4-FFF2-40B4-BE49-F238E27FC236}">
-                <a16:creationId xmlns:a16="http://schemas.microsoft.com/office/drawing/2014/main" id="{666C455F-A683-BE40-A9EC-D7025DD86994}"/>
-              </a:ext>
-            </a:extLst>
-          </p:cNvPr>
-          <p:cNvSpPr>
-            <a:spLocks noGrp="1"/>
-          </p:cNvSpPr>
-          <p:nvPr>
-            <p:ph type="sldNum" sz="quarter" idx="11"/>
-          </p:nvPr>
-        </p:nvSpPr>
-        <p:spPr/>
         <p:txBody>
           <a:bodyPr/>
           <a:lstStyle/>
@@ -14852,14 +14721,14 @@
               <a:pPr/>
               <a:t>36</a:t>
             </a:fld>
-            <a:endParaRPr lang="en-CA"/>
+            <a:endParaRPr lang="en-CA" dirty="0"/>
           </a:p>
         </p:txBody>
       </p:sp>
     </p:spTree>
     <p:extLst>
       <p:ext uri="{BB962C8B-B14F-4D97-AF65-F5344CB8AC3E}">
-        <p14:creationId xmlns:p14="http://schemas.microsoft.com/office/powerpoint/2010/main" val="1420339500"/>
+        <p14:creationId xmlns:p14="http://schemas.microsoft.com/office/powerpoint/2010/main" val="1954188222"/>
       </p:ext>
     </p:extLst>
   </p:cSld>
@@ -14891,7 +14760,7 @@
           <p:cNvPr id="2" name="Title 1">
             <a:extLst>
               <a:ext uri="{FF2B5EF4-FFF2-40B4-BE49-F238E27FC236}">
-                <a16:creationId xmlns:a16="http://schemas.microsoft.com/office/drawing/2014/main" id="{4212A2B2-4F5C-D04C-B5CE-8199AC5B3139}"/>
+                <a16:creationId xmlns:a16="http://schemas.microsoft.com/office/drawing/2014/main" id="{59CC6C30-50D2-4946-B1CF-B5D679CBD266}"/>
               </a:ext>
             </a:extLst>
           </p:cNvPr>
@@ -14909,7 +14778,7 @@
           <a:p>
             <a:r>
               <a:rPr lang="en-US"/>
-              <a:t>Other Useful Ideas</a:t>
+              <a:t>Data entry interface</a:t>
             </a:r>
           </a:p>
         </p:txBody>
@@ -14919,7 +14788,7 @@
           <p:cNvPr id="3" name="Content Placeholder 2">
             <a:extLst>
               <a:ext uri="{FF2B5EF4-FFF2-40B4-BE49-F238E27FC236}">
-                <a16:creationId xmlns:a16="http://schemas.microsoft.com/office/drawing/2014/main" id="{6E2A823B-9416-8E44-A89D-BF39C8C5C3EC}"/>
+                <a16:creationId xmlns:a16="http://schemas.microsoft.com/office/drawing/2014/main" id="{120A0BEA-F11B-724A-8F6D-6D5830A866B6}"/>
               </a:ext>
             </a:extLst>
           </p:cNvPr>
@@ -14930,70 +14799,61 @@
             <p:ph type="body" sz="quarter" idx="13"/>
           </p:nvPr>
         </p:nvSpPr>
-        <p:spPr>
-          <a:xfrm>
-            <a:off x="614362" y="1344168"/>
-            <a:ext cx="8228883" cy="2929042"/>
-          </a:xfrm>
-        </p:spPr>
-        <p:txBody>
-          <a:bodyPr/>
-          <a:lstStyle/>
-          <a:p>
+        <p:spPr/>
+        <p:txBody>
+          <a:bodyPr/>
+          <a:lstStyle/>
+          <a:p>
+            <a:r>
+              <a:rPr lang="en-US" dirty="0"/>
+              <a:t>Choose code systems (ideally standard)</a:t>
+            </a:r>
+          </a:p>
+          <a:p>
+            <a:r>
+              <a:rPr lang="en-US" dirty="0"/>
+              <a:t>Choose or define value sets</a:t>
+            </a:r>
+          </a:p>
+          <a:p>
+            <a:r>
+              <a:rPr lang="en-US" dirty="0"/>
+              <a:t>For small value sets, populate a picklist using $expand</a:t>
+            </a:r>
+          </a:p>
+          <a:p>
+            <a:r>
+              <a:rPr lang="en-US" dirty="0"/>
+              <a:t>For large value sets, may use </a:t>
+            </a:r>
             <a:r>
               <a:rPr lang="en-GB" dirty="0"/>
-              <a:t>Batch Processing</a:t>
-            </a:r>
+              <a:t>$</a:t>
+            </a:r>
+            <a:r>
+              <a:rPr lang="en-GB" dirty="0" err="1"/>
+              <a:t>expand?filter</a:t>
+            </a:r>
+            <a:r>
+              <a:rPr lang="en-GB" dirty="0"/>
+              <a:t>=xxx for type-ahead search</a:t>
+            </a:r>
+            <a:endParaRPr lang="en-US" dirty="0"/>
           </a:p>
           <a:p>
             <a:pPr lvl="1"/>
             <a:r>
-              <a:rPr lang="en-GB" dirty="0"/>
-              <a:t>Many terminology operations are small</a:t>
-            </a:r>
-          </a:p>
-          <a:p>
-            <a:pPr lvl="1"/>
-            <a:r>
-              <a:rPr lang="en-GB" dirty="0"/>
-              <a:t>It maybe more efficient to send them as a batch and deal with the result when it comes back</a:t>
-            </a:r>
-          </a:p>
-          <a:p>
-            <a:pPr lvl="2"/>
-            <a:r>
-              <a:rPr lang="en-GB" dirty="0">
+              <a:rPr lang="en-US" dirty="0">
                 <a:hlinkClick r:id="rId2"/>
               </a:rPr>
-              <a:t>http://hl7.org/fhir/http.html#transaction</a:t>
-            </a:r>
-            <a:endParaRPr lang="en-GB" dirty="0"/>
-          </a:p>
-          <a:p>
-            <a:r>
-              <a:rPr lang="en-GB" dirty="0"/>
-              <a:t>Manage content types (Content-Type, Accept, _format)</a:t>
-            </a:r>
-          </a:p>
-          <a:p>
-            <a:pPr lvl="1"/>
-            <a:r>
-              <a:rPr lang="en-GB" dirty="0"/>
-              <a:t>JSON or XML</a:t>
-            </a:r>
-          </a:p>
-          <a:p>
-            <a:r>
-              <a:rPr lang="en-GB" dirty="0"/>
-              <a:t>Accept-Encoding: </a:t>
-            </a:r>
-            <a:r>
-              <a:rPr lang="en-GB" dirty="0" err="1"/>
-              <a:t>gzip</a:t>
-            </a:r>
-            <a:endParaRPr lang="en-GB" dirty="0"/>
-          </a:p>
-          <a:p>
+              <a:t>https://fhir.hausamconsulting.com/r4/ValueSet/route-codes/$expand?filter=intra</a:t>
+            </a:r>
+            <a:endParaRPr lang="en-US" dirty="0"/>
+          </a:p>
+          <a:p>
+            <a:pPr marL="457200" lvl="1" indent="0">
+              <a:buNone/>
+            </a:pPr>
             <a:endParaRPr lang="en-US" dirty="0"/>
           </a:p>
         </p:txBody>
@@ -15003,7 +14863,7 @@
           <p:cNvPr id="4" name="Slide Number Placeholder 3">
             <a:extLst>
               <a:ext uri="{FF2B5EF4-FFF2-40B4-BE49-F238E27FC236}">
-                <a16:creationId xmlns:a16="http://schemas.microsoft.com/office/drawing/2014/main" id="{666C455F-A683-BE40-A9EC-D7025DD86994}"/>
+                <a16:creationId xmlns:a16="http://schemas.microsoft.com/office/drawing/2014/main" id="{27DB5DE7-A4F6-0744-BE42-D55989C2421F}"/>
               </a:ext>
             </a:extLst>
           </p:cNvPr>
@@ -15031,7 +14891,7 @@
     </p:spTree>
     <p:extLst>
       <p:ext uri="{BB962C8B-B14F-4D97-AF65-F5344CB8AC3E}">
-        <p14:creationId xmlns:p14="http://schemas.microsoft.com/office/powerpoint/2010/main" val="1394965476"/>
+        <p14:creationId xmlns:p14="http://schemas.microsoft.com/office/powerpoint/2010/main" val="1378397070"/>
       </p:ext>
     </p:extLst>
   </p:cSld>
@@ -15063,7 +14923,7 @@
           <p:cNvPr id="2" name="Title 1">
             <a:extLst>
               <a:ext uri="{FF2B5EF4-FFF2-40B4-BE49-F238E27FC236}">
-                <a16:creationId xmlns:a16="http://schemas.microsoft.com/office/drawing/2014/main" id="{8827DABF-6A5F-5348-9424-6F5946865EB6}"/>
+                <a16:creationId xmlns:a16="http://schemas.microsoft.com/office/drawing/2014/main" id="{59CC6C30-50D2-4946-B1CF-B5D679CBD266}"/>
               </a:ext>
             </a:extLst>
           </p:cNvPr>
@@ -15081,22 +14941,17 @@
           <a:p>
             <a:r>
               <a:rPr lang="en-US" dirty="0"/>
-              <a:t>Scenarios and strategies for using Terminology </a:t>
-            </a:r>
-            <a:r>
-              <a:rPr lang="en-US" dirty="0" err="1"/>
-              <a:t>serviceS</a:t>
-            </a:r>
-            <a:endParaRPr lang="en-US" dirty="0"/>
-          </a:p>
-        </p:txBody>
-      </p:sp>
-      <p:sp>
-        <p:nvSpPr>
-          <p:cNvPr id="5" name="Slide Number Placeholder 3">
+              <a:t>Creating a profile</a:t>
+            </a:r>
+          </a:p>
+        </p:txBody>
+      </p:sp>
+      <p:sp>
+        <p:nvSpPr>
+          <p:cNvPr id="3" name="Content Placeholder 2">
             <a:extLst>
               <a:ext uri="{FF2B5EF4-FFF2-40B4-BE49-F238E27FC236}">
-                <a16:creationId xmlns:a16="http://schemas.microsoft.com/office/drawing/2014/main" id="{377EF9EF-EAC0-644E-BC57-0CF0FD70014F}"/>
+                <a16:creationId xmlns:a16="http://schemas.microsoft.com/office/drawing/2014/main" id="{120A0BEA-F11B-724A-8F6D-6D5830A866B6}"/>
               </a:ext>
             </a:extLst>
           </p:cNvPr>
@@ -15104,15 +14959,75 @@
             <a:spLocks noGrp="1"/>
           </p:cNvSpPr>
           <p:nvPr>
+            <p:ph type="body" sz="quarter" idx="13"/>
+          </p:nvPr>
+        </p:nvSpPr>
+        <p:spPr/>
+        <p:txBody>
+          <a:bodyPr/>
+          <a:lstStyle/>
+          <a:p>
+            <a:r>
+              <a:rPr lang="en-GB"/>
+              <a:t>Choose or define the code systems and value sets</a:t>
+            </a:r>
+          </a:p>
+          <a:p>
+            <a:r>
+              <a:rPr lang="en-GB"/>
+              <a:t>Determine the binding strength</a:t>
+            </a:r>
+          </a:p>
+          <a:p>
+            <a:r>
+              <a:rPr lang="en-GB"/>
+              <a:t>Set up the code system and value set maintenance and update processes</a:t>
+            </a:r>
+          </a:p>
+          <a:p>
+            <a:pPr lvl="1"/>
+            <a:r>
+              <a:rPr lang="en-GB"/>
+              <a:t>Concepts can become deprecated over time – watch for this!</a:t>
+            </a:r>
+          </a:p>
+          <a:p>
+            <a:pPr lvl="1"/>
+            <a:r>
+              <a:rPr lang="en-GB"/>
+              <a:t>You may be able to use </a:t>
+            </a:r>
+            <a:r>
+              <a:rPr lang="en-GB" err="1"/>
+              <a:t>ConceptMaps</a:t>
+            </a:r>
+            <a:r>
+              <a:rPr lang="en-GB"/>
+              <a:t> to find the concepts that have changed</a:t>
+            </a:r>
+          </a:p>
+          <a:p>
+            <a:endParaRPr lang="en-US"/>
+          </a:p>
+        </p:txBody>
+      </p:sp>
+      <p:sp>
+        <p:nvSpPr>
+          <p:cNvPr id="4" name="Slide Number Placeholder 3">
+            <a:extLst>
+              <a:ext uri="{FF2B5EF4-FFF2-40B4-BE49-F238E27FC236}">
+                <a16:creationId xmlns:a16="http://schemas.microsoft.com/office/drawing/2014/main" id="{27DB5DE7-A4F6-0744-BE42-D55989C2421F}"/>
+              </a:ext>
+            </a:extLst>
+          </p:cNvPr>
+          <p:cNvSpPr>
+            <a:spLocks noGrp="1"/>
+          </p:cNvSpPr>
+          <p:nvPr>
             <p:ph type="sldNum" sz="quarter" idx="11"/>
           </p:nvPr>
         </p:nvSpPr>
-        <p:spPr>
-          <a:xfrm>
-            <a:off x="7662862" y="4808560"/>
-            <a:ext cx="271463" cy="158750"/>
-          </a:xfrm>
-        </p:spPr>
+        <p:spPr/>
         <p:txBody>
           <a:bodyPr/>
           <a:lstStyle/>
@@ -15122,14 +15037,14 @@
               <a:pPr/>
               <a:t>38</a:t>
             </a:fld>
-            <a:endParaRPr lang="en-CA" dirty="0"/>
+            <a:endParaRPr lang="en-CA"/>
           </a:p>
         </p:txBody>
       </p:sp>
     </p:spTree>
     <p:extLst>
       <p:ext uri="{BB962C8B-B14F-4D97-AF65-F5344CB8AC3E}">
-        <p14:creationId xmlns:p14="http://schemas.microsoft.com/office/powerpoint/2010/main" val="1954188222"/>
+        <p14:creationId xmlns:p14="http://schemas.microsoft.com/office/powerpoint/2010/main" val="2458027851"/>
       </p:ext>
     </p:extLst>
   </p:cSld>
@@ -15178,9 +15093,14 @@
           <a:lstStyle/>
           <a:p>
             <a:r>
-              <a:rPr lang="en-US"/>
-              <a:t>Data entry interface</a:t>
-            </a:r>
+              <a:rPr lang="en-GB" dirty="0" err="1"/>
+              <a:t>Analyzing</a:t>
+            </a:r>
+            <a:r>
+              <a:rPr lang="en-GB" dirty="0"/>
+              <a:t> or validating coded data</a:t>
+            </a:r>
+            <a:endParaRPr lang="en-US" dirty="0"/>
           </a:p>
         </p:txBody>
       </p:sp>
@@ -15200,61 +15120,55 @@
             <p:ph type="body" sz="quarter" idx="13"/>
           </p:nvPr>
         </p:nvSpPr>
-        <p:spPr/>
-        <p:txBody>
-          <a:bodyPr/>
-          <a:lstStyle/>
-          <a:p>
-            <a:r>
-              <a:rPr lang="en-US" dirty="0"/>
-              <a:t>Choose code systems (ideally standard)</a:t>
-            </a:r>
-          </a:p>
-          <a:p>
-            <a:r>
-              <a:rPr lang="en-US" dirty="0"/>
-              <a:t>Choose or define value sets</a:t>
-            </a:r>
-          </a:p>
-          <a:p>
-            <a:r>
-              <a:rPr lang="en-US" dirty="0"/>
-              <a:t>For small value sets, populate a picklist using $expand</a:t>
-            </a:r>
-          </a:p>
-          <a:p>
-            <a:r>
-              <a:rPr lang="en-US" dirty="0"/>
-              <a:t>For large value sets, may use </a:t>
-            </a:r>
+        <p:spPr>
+          <a:xfrm>
+            <a:off x="614362" y="1344168"/>
+            <a:ext cx="8228883" cy="2929042"/>
+          </a:xfrm>
+        </p:spPr>
+        <p:txBody>
+          <a:bodyPr/>
+          <a:lstStyle/>
+          <a:p>
             <a:r>
               <a:rPr lang="en-GB" dirty="0"/>
-              <a:t>$</a:t>
+              <a:t>Choose or define the code systems and value sets</a:t>
+            </a:r>
+          </a:p>
+          <a:p>
+            <a:r>
+              <a:rPr lang="en-GB" dirty="0"/>
+              <a:t>Use $validate-code to check whether the codes are valid in your context, and whether the display text is correct</a:t>
+            </a:r>
+          </a:p>
+          <a:p>
+            <a:pPr lvl="1"/>
+            <a:r>
+              <a:rPr lang="en-GB" dirty="0"/>
+              <a:t>Clinical systems often allow users to change the display term</a:t>
+            </a:r>
+          </a:p>
+          <a:p>
+            <a:r>
+              <a:rPr lang="en-GB" dirty="0"/>
+              <a:t>Use $translate to map local or non-standard coded data to the standard code systems / value sets for analysis</a:t>
+            </a:r>
+          </a:p>
+          <a:p>
+            <a:r>
+              <a:rPr lang="en-GB" dirty="0"/>
+              <a:t>You may want to use an inline </a:t>
             </a:r>
             <a:r>
               <a:rPr lang="en-GB" dirty="0" err="1"/>
-              <a:t>expand?filter</a:t>
+              <a:t>ValueSet</a:t>
             </a:r>
             <a:r>
               <a:rPr lang="en-GB" dirty="0"/>
-              <a:t>=xxx for type-ahead search</a:t>
-            </a:r>
-            <a:endParaRPr lang="en-US" dirty="0"/>
-          </a:p>
-          <a:p>
-            <a:pPr lvl="1"/>
-            <a:r>
-              <a:rPr lang="en-US" dirty="0">
-                <a:hlinkClick r:id="rId2"/>
-              </a:rPr>
-              <a:t>https://fhir.hausamconsulting.com/r4/ValueSet/route-codes/$expand?filter=intra</a:t>
-            </a:r>
-            <a:endParaRPr lang="en-US" dirty="0"/>
-          </a:p>
-          <a:p>
-            <a:pPr marL="457200" lvl="1" indent="0">
-              <a:buNone/>
-            </a:pPr>
+              <a:t> with $subsumes or $validate-code (or $closure) for categorizing data</a:t>
+            </a:r>
+          </a:p>
+          <a:p>
             <a:endParaRPr lang="en-US" dirty="0"/>
           </a:p>
         </p:txBody>
@@ -15292,7 +15206,7 @@
     </p:spTree>
     <p:extLst>
       <p:ext uri="{BB962C8B-B14F-4D97-AF65-F5344CB8AC3E}">
-        <p14:creationId xmlns:p14="http://schemas.microsoft.com/office/powerpoint/2010/main" val="1378397070"/>
+        <p14:creationId xmlns:p14="http://schemas.microsoft.com/office/powerpoint/2010/main" val="2691753057"/>
       </p:ext>
     </p:extLst>
   </p:cSld>
@@ -15462,8 +15376,8 @@
           <a:lstStyle/>
           <a:p>
             <a:r>
-              <a:rPr lang="en-US" dirty="0"/>
-              <a:t>Creating a profile</a:t>
+              <a:rPr lang="en-US"/>
+              <a:t>Exploring concept relationships</a:t>
             </a:r>
           </a:p>
         </p:txBody>
@@ -15491,41 +15405,13 @@
           <a:p>
             <a:r>
               <a:rPr lang="en-GB"/>
-              <a:t>Choose or define the code systems and value sets</a:t>
+              <a:t>You can use $lookup to retrieve the properties and display them in a table (or other useful format)</a:t>
             </a:r>
           </a:p>
           <a:p>
             <a:r>
               <a:rPr lang="en-GB"/>
-              <a:t>Determine the binding strength</a:t>
-            </a:r>
-          </a:p>
-          <a:p>
-            <a:r>
-              <a:rPr lang="en-GB"/>
-              <a:t>Set up the code system and value set maintenance and update processes</a:t>
-            </a:r>
-          </a:p>
-          <a:p>
-            <a:pPr lvl="1"/>
-            <a:r>
-              <a:rPr lang="en-GB"/>
-              <a:t>Concepts can become deprecated over time – watch for this!</a:t>
-            </a:r>
-          </a:p>
-          <a:p>
-            <a:pPr lvl="1"/>
-            <a:r>
-              <a:rPr lang="en-GB"/>
-              <a:t>You may be able to use </a:t>
-            </a:r>
-            <a:r>
-              <a:rPr lang="en-GB" err="1"/>
-              <a:t>ConceptMaps</a:t>
-            </a:r>
-            <a:r>
-              <a:rPr lang="en-GB"/>
-              <a:t> to find the concepts that have changed</a:t>
+              <a:t>You can navigate the hierarchy between concepts using the ‘child’ and ‘parent’ properties or by $subsumes (or $closure)</a:t>
             </a:r>
           </a:p>
           <a:p>
@@ -15566,7 +15452,7 @@
     </p:spTree>
     <p:extLst>
       <p:ext uri="{BB962C8B-B14F-4D97-AF65-F5344CB8AC3E}">
-        <p14:creationId xmlns:p14="http://schemas.microsoft.com/office/powerpoint/2010/main" val="2458027851"/>
+        <p14:creationId xmlns:p14="http://schemas.microsoft.com/office/powerpoint/2010/main" val="808440669"/>
       </p:ext>
     </p:extLst>
   </p:cSld>
@@ -15595,13 +15481,7 @@
       </p:grpSpPr>
       <p:sp>
         <p:nvSpPr>
-          <p:cNvPr id="2" name="Title 1">
-            <a:extLst>
-              <a:ext uri="{FF2B5EF4-FFF2-40B4-BE49-F238E27FC236}">
-                <a16:creationId xmlns:a16="http://schemas.microsoft.com/office/drawing/2014/main" id="{59CC6C30-50D2-4946-B1CF-B5D679CBD266}"/>
-              </a:ext>
-            </a:extLst>
-          </p:cNvPr>
+          <p:cNvPr id="2" name="Title 1"/>
           <p:cNvSpPr>
             <a:spLocks noGrp="1"/>
           </p:cNvSpPr>
@@ -15615,26 +15495,20 @@
           <a:lstStyle/>
           <a:p>
             <a:r>
-              <a:rPr lang="en-GB" dirty="0" err="1"/>
-              <a:t>Analyzing</a:t>
-            </a:r>
-            <a:r>
-              <a:rPr lang="en-GB" dirty="0"/>
-              <a:t> or validating coded data</a:t>
-            </a:r>
-            <a:endParaRPr lang="en-US" dirty="0"/>
-          </a:p>
-        </p:txBody>
-      </p:sp>
-      <p:sp>
-        <p:nvSpPr>
-          <p:cNvPr id="3" name="Content Placeholder 2">
-            <a:extLst>
-              <a:ext uri="{FF2B5EF4-FFF2-40B4-BE49-F238E27FC236}">
-                <a16:creationId xmlns:a16="http://schemas.microsoft.com/office/drawing/2014/main" id="{120A0BEA-F11B-724A-8F6D-6D5830A866B6}"/>
-              </a:ext>
-            </a:extLst>
-          </p:cNvPr>
+              <a:rPr lang="en-US" noProof="0" dirty="0"/>
+              <a:t>Tutorial </a:t>
+            </a:r>
+            <a:r>
+              <a:rPr lang="en-US" dirty="0"/>
+              <a:t>Learning Objectives covered</a:t>
+            </a:r>
+            <a:endParaRPr lang="en-US" noProof="0" dirty="0"/>
+          </a:p>
+        </p:txBody>
+      </p:sp>
+      <p:sp>
+        <p:nvSpPr>
+          <p:cNvPr id="3" name="Content Placeholder 2"/>
           <p:cNvSpPr>
             <a:spLocks noGrp="1"/>
           </p:cNvSpPr>
@@ -15642,68 +15516,59 @@
             <p:ph type="body" sz="quarter" idx="13"/>
           </p:nvPr>
         </p:nvSpPr>
-        <p:spPr>
-          <a:xfrm>
-            <a:off x="614362" y="1344168"/>
-            <a:ext cx="8228883" cy="2929042"/>
-          </a:xfrm>
-        </p:spPr>
-        <p:txBody>
-          <a:bodyPr/>
-          <a:lstStyle/>
-          <a:p>
-            <a:r>
-              <a:rPr lang="en-GB" dirty="0"/>
-              <a:t>Choose or define the code systems and value sets</a:t>
-            </a:r>
-          </a:p>
-          <a:p>
-            <a:r>
-              <a:rPr lang="en-GB" dirty="0"/>
-              <a:t>Use $validate-code to check whether the codes are valid in your context, and whether the display text is correct</a:t>
-            </a:r>
-          </a:p>
-          <a:p>
-            <a:pPr lvl="1"/>
-            <a:r>
-              <a:rPr lang="en-GB" dirty="0"/>
-              <a:t>Clinical systems often allow users to change the display term</a:t>
-            </a:r>
-          </a:p>
-          <a:p>
-            <a:r>
-              <a:rPr lang="en-GB" dirty="0"/>
-              <a:t>Use $translate to map local or non-standard coded data to the standard code systems / value sets for analysis</a:t>
-            </a:r>
-          </a:p>
-          <a:p>
-            <a:r>
-              <a:rPr lang="en-GB" dirty="0"/>
-              <a:t>You may want to use an inline </a:t>
-            </a:r>
-            <a:r>
-              <a:rPr lang="en-GB" dirty="0" err="1"/>
-              <a:t>ValueSet</a:t>
-            </a:r>
-            <a:r>
-              <a:rPr lang="en-GB" dirty="0"/>
-              <a:t> with $subsumes or $validate-code (or $closure) for categorizing data</a:t>
-            </a:r>
-          </a:p>
-          <a:p>
-            <a:endParaRPr lang="en-US" dirty="0"/>
-          </a:p>
-        </p:txBody>
-      </p:sp>
-      <p:sp>
-        <p:nvSpPr>
-          <p:cNvPr id="4" name="Slide Number Placeholder 3">
-            <a:extLst>
-              <a:ext uri="{FF2B5EF4-FFF2-40B4-BE49-F238E27FC236}">
-                <a16:creationId xmlns:a16="http://schemas.microsoft.com/office/drawing/2014/main" id="{27DB5DE7-A4F6-0744-BE42-D55989C2421F}"/>
-              </a:ext>
-            </a:extLst>
-          </p:cNvPr>
+        <p:spPr/>
+        <p:txBody>
+          <a:bodyPr/>
+          <a:lstStyle/>
+          <a:p>
+            <a:pPr marL="0" indent="0">
+              <a:buNone/>
+            </a:pPr>
+            <a:r>
+              <a:rPr lang="en-US" b="1" dirty="0">
+                <a:cs typeface="Arial" panose="020B0604020202020204" pitchFamily="34" charset="0"/>
+              </a:rPr>
+              <a:t>Part 1 – Introduction and Fundamentals</a:t>
+            </a:r>
+          </a:p>
+          <a:p>
+            <a:r>
+              <a:rPr lang="en-US" dirty="0">
+                <a:solidFill>
+                  <a:srgbClr val="00B050"/>
+                </a:solidFill>
+                <a:cs typeface="Arial" panose="020B0604020202020204" pitchFamily="34" charset="0"/>
+              </a:rPr>
+              <a:t>Understand how coded data is represented in data types and model elements and is exchanged in FHIR resources</a:t>
+            </a:r>
+          </a:p>
+          <a:p>
+            <a:r>
+              <a:rPr lang="en-US" dirty="0">
+                <a:solidFill>
+                  <a:srgbClr val="00B050"/>
+                </a:solidFill>
+                <a:cs typeface="Arial" panose="020B0604020202020204" pitchFamily="34" charset="0"/>
+              </a:rPr>
+              <a:t>Understand how code systems and value sets in FHIR are defined, identified and used</a:t>
+            </a:r>
+          </a:p>
+          <a:p>
+            <a:r>
+              <a:rPr lang="en-US" dirty="0">
+                <a:solidFill>
+                  <a:srgbClr val="00B050"/>
+                </a:solidFill>
+                <a:cs typeface="Arial" panose="020B0604020202020204" pitchFamily="34" charset="0"/>
+              </a:rPr>
+              <a:t>Understand terminology binding and how to specify and use it correctly in FHIR models (resources and profiles) </a:t>
+            </a:r>
+          </a:p>
+        </p:txBody>
+      </p:sp>
+      <p:sp>
+        <p:nvSpPr>
+          <p:cNvPr id="4" name="Slide Number Placeholder 3"/>
           <p:cNvSpPr>
             <a:spLocks noGrp="1"/>
           </p:cNvSpPr>
@@ -15728,13 +15593,14 @@
     </p:spTree>
     <p:extLst>
       <p:ext uri="{BB962C8B-B14F-4D97-AF65-F5344CB8AC3E}">
-        <p14:creationId xmlns:p14="http://schemas.microsoft.com/office/powerpoint/2010/main" val="2691753057"/>
+        <p14:creationId xmlns:p14="http://schemas.microsoft.com/office/powerpoint/2010/main" val="3718172211"/>
       </p:ext>
     </p:extLst>
   </p:cSld>
   <p:clrMapOvr>
     <a:masterClrMapping/>
   </p:clrMapOvr>
+  <p:transition/>
 </p:sld>
 </file>
 
@@ -15757,13 +15623,7 @@
       </p:grpSpPr>
       <p:sp>
         <p:nvSpPr>
-          <p:cNvPr id="2" name="Title 1">
-            <a:extLst>
-              <a:ext uri="{FF2B5EF4-FFF2-40B4-BE49-F238E27FC236}">
-                <a16:creationId xmlns:a16="http://schemas.microsoft.com/office/drawing/2014/main" id="{59CC6C30-50D2-4946-B1CF-B5D679CBD266}"/>
-              </a:ext>
-            </a:extLst>
-          </p:cNvPr>
+          <p:cNvPr id="2" name="Title 1"/>
           <p:cNvSpPr>
             <a:spLocks noGrp="1"/>
           </p:cNvSpPr>
@@ -15777,21 +15637,20 @@
           <a:lstStyle/>
           <a:p>
             <a:r>
-              <a:rPr lang="en-US"/>
-              <a:t>Exploring concept relationships</a:t>
-            </a:r>
-          </a:p>
-        </p:txBody>
-      </p:sp>
-      <p:sp>
-        <p:nvSpPr>
-          <p:cNvPr id="3" name="Content Placeholder 2">
-            <a:extLst>
-              <a:ext uri="{FF2B5EF4-FFF2-40B4-BE49-F238E27FC236}">
-                <a16:creationId xmlns:a16="http://schemas.microsoft.com/office/drawing/2014/main" id="{120A0BEA-F11B-724A-8F6D-6D5830A866B6}"/>
-              </a:ext>
-            </a:extLst>
-          </p:cNvPr>
+              <a:rPr lang="en-US" noProof="0" dirty="0"/>
+              <a:t>Tutorial Learning </a:t>
+            </a:r>
+            <a:r>
+              <a:rPr lang="en-US" dirty="0"/>
+              <a:t>Objectives covered</a:t>
+            </a:r>
+            <a:endParaRPr lang="en-US" noProof="0" dirty="0"/>
+          </a:p>
+        </p:txBody>
+      </p:sp>
+      <p:sp>
+        <p:nvSpPr>
+          <p:cNvPr id="3" name="Content Placeholder 2"/>
           <p:cNvSpPr>
             <a:spLocks noGrp="1"/>
           </p:cNvSpPr>
@@ -15804,31 +15663,50 @@
           <a:bodyPr/>
           <a:lstStyle/>
           <a:p>
-            <a:r>
-              <a:rPr lang="en-GB"/>
-              <a:t>You can use $lookup to retrieve the properties and display them in a table (or other useful format)</a:t>
-            </a:r>
-          </a:p>
-          <a:p>
-            <a:r>
-              <a:rPr lang="en-GB"/>
-              <a:t>You can navigate the hierarchy between concepts using the ‘child’ and ‘parent’ properties or by $subsumes (or $closure)</a:t>
-            </a:r>
-          </a:p>
-          <a:p>
-            <a:endParaRPr lang="en-US"/>
-          </a:p>
-        </p:txBody>
-      </p:sp>
-      <p:sp>
-        <p:nvSpPr>
-          <p:cNvPr id="4" name="Slide Number Placeholder 3">
-            <a:extLst>
-              <a:ext uri="{FF2B5EF4-FFF2-40B4-BE49-F238E27FC236}">
-                <a16:creationId xmlns:a16="http://schemas.microsoft.com/office/drawing/2014/main" id="{27DB5DE7-A4F6-0744-BE42-D55989C2421F}"/>
-              </a:ext>
-            </a:extLst>
-          </p:cNvPr>
+            <a:pPr marL="0" indent="0">
+              <a:buNone/>
+            </a:pPr>
+            <a:r>
+              <a:rPr lang="en-US" b="1" dirty="0">
+                <a:cs typeface="Arial" panose="020B0604020202020204" pitchFamily="34" charset="0"/>
+              </a:rPr>
+              <a:t>Part 2 – Searching</a:t>
+            </a:r>
+            <a:r>
+              <a:rPr lang="en-US" b="1" dirty="0"/>
+              <a:t> and Services</a:t>
+            </a:r>
+            <a:endParaRPr lang="en-US" b="1" dirty="0">
+              <a:cs typeface="Arial" panose="020B0604020202020204" pitchFamily="34" charset="0"/>
+            </a:endParaRPr>
+          </a:p>
+          <a:p>
+            <a:r>
+              <a:rPr lang="en-US" dirty="0">
+                <a:solidFill>
+                  <a:srgbClr val="00B050"/>
+                </a:solidFill>
+                <a:cs typeface="Arial" panose="020B0604020202020204" pitchFamily="34" charset="0"/>
+              </a:rPr>
+              <a:t>Understand and use FHIR terminology-based search capabilities</a:t>
+            </a:r>
+          </a:p>
+          <a:p>
+            <a:r>
+              <a:rPr lang="en-US" dirty="0">
+                <a:solidFill>
+                  <a:srgbClr val="00B050"/>
+                </a:solidFill>
+                <a:cs typeface="Arial" panose="020B0604020202020204" pitchFamily="34" charset="0"/>
+              </a:rPr>
+              <a:t>Understand and use FHIR Terminology Service capabilities</a:t>
+            </a:r>
+          </a:p>
+        </p:txBody>
+      </p:sp>
+      <p:sp>
+        <p:nvSpPr>
+          <p:cNvPr id="4" name="Slide Number Placeholder 3"/>
           <p:cNvSpPr>
             <a:spLocks noGrp="1"/>
           </p:cNvSpPr>
@@ -15853,13 +15731,14 @@
     </p:spTree>
     <p:extLst>
       <p:ext uri="{BB962C8B-B14F-4D97-AF65-F5344CB8AC3E}">
-        <p14:creationId xmlns:p14="http://schemas.microsoft.com/office/powerpoint/2010/main" val="808440669"/>
+        <p14:creationId xmlns:p14="http://schemas.microsoft.com/office/powerpoint/2010/main" val="3594262892"/>
       </p:ext>
     </p:extLst>
   </p:cSld>
   <p:clrMapOvr>
     <a:masterClrMapping/>
   </p:clrMapOvr>
+  <p:transition/>
 </p:sld>
 </file>
 
@@ -15882,7 +15761,13 @@
       </p:grpSpPr>
       <p:sp>
         <p:nvSpPr>
-          <p:cNvPr id="2" name="Title 1"/>
+          <p:cNvPr id="2" name="Title 1">
+            <a:extLst>
+              <a:ext uri="{FF2B5EF4-FFF2-40B4-BE49-F238E27FC236}">
+                <a16:creationId xmlns:a16="http://schemas.microsoft.com/office/drawing/2014/main" id="{594B59C6-BE69-104A-9BE2-0477C4E85454}"/>
+              </a:ext>
+            </a:extLst>
+          </p:cNvPr>
           <p:cNvSpPr>
             <a:spLocks noGrp="1"/>
           </p:cNvSpPr>
@@ -15896,20 +15781,21 @@
           <a:lstStyle/>
           <a:p>
             <a:r>
-              <a:rPr lang="en-US" noProof="0" dirty="0"/>
-              <a:t>Tutorial </a:t>
-            </a:r>
-            <a:r>
               <a:rPr lang="en-US" dirty="0"/>
-              <a:t>Learning Objectives covered</a:t>
-            </a:r>
-            <a:endParaRPr lang="en-US" noProof="0" dirty="0"/>
-          </a:p>
-        </p:txBody>
-      </p:sp>
-      <p:sp>
-        <p:nvSpPr>
-          <p:cNvPr id="3" name="Content Placeholder 2"/>
+              <a:t>Part 1 &amp; 2 Questions and Answers </a:t>
+            </a:r>
+          </a:p>
+        </p:txBody>
+      </p:sp>
+      <p:sp>
+        <p:nvSpPr>
+          <p:cNvPr id="3" name="Content Placeholder 2">
+            <a:extLst>
+              <a:ext uri="{FF2B5EF4-FFF2-40B4-BE49-F238E27FC236}">
+                <a16:creationId xmlns:a16="http://schemas.microsoft.com/office/drawing/2014/main" id="{F3B0DF25-9666-C644-BEF9-89CD22006692}"/>
+              </a:ext>
+            </a:extLst>
+          </p:cNvPr>
           <p:cNvSpPr>
             <a:spLocks noGrp="1"/>
           </p:cNvSpPr>
@@ -15922,54 +15808,52 @@
           <a:bodyPr/>
           <a:lstStyle/>
           <a:p>
-            <a:pPr marL="0" indent="0">
-              <a:buNone/>
-            </a:pPr>
-            <a:r>
-              <a:rPr lang="en-US" b="1" dirty="0">
-                <a:cs typeface="Arial" panose="020B0604020202020204" pitchFamily="34" charset="0"/>
-              </a:rPr>
-              <a:t>Part 1 – Introduction and Fundamentals</a:t>
-            </a:r>
-          </a:p>
-          <a:p>
-            <a:r>
-              <a:rPr lang="en-US" dirty="0">
-                <a:solidFill>
-                  <a:srgbClr val="00B050"/>
-                </a:solidFill>
-                <a:cs typeface="Arial" panose="020B0604020202020204" pitchFamily="34" charset="0"/>
-              </a:rPr>
-              <a:t>Understand how coded data is represented in data types and model elements and is exchanged in FHIR resources</a:t>
-            </a:r>
-          </a:p>
-          <a:p>
-            <a:r>
-              <a:rPr lang="en-US" dirty="0">
-                <a:solidFill>
-                  <a:srgbClr val="00B050"/>
-                </a:solidFill>
-                <a:cs typeface="Arial" panose="020B0604020202020204" pitchFamily="34" charset="0"/>
-              </a:rPr>
-              <a:t>Understand how code systems and value sets in FHIR are defined, identified and used</a:t>
-            </a:r>
-          </a:p>
-          <a:p>
-            <a:r>
-              <a:rPr lang="en-US" dirty="0">
-                <a:solidFill>
-                  <a:srgbClr val="00B050"/>
-                </a:solidFill>
-                <a:cs typeface="Arial" panose="020B0604020202020204" pitchFamily="34" charset="0"/>
-              </a:rPr>
-              <a:t>Understand terminology binding and how to specify and use it correctly in FHIR models (resources and profiles) </a:t>
-            </a:r>
-          </a:p>
-        </p:txBody>
-      </p:sp>
-      <p:sp>
-        <p:nvSpPr>
-          <p:cNvPr id="4" name="Slide Number Placeholder 3"/>
+            <a:r>
+              <a:rPr lang="en-US" dirty="0"/>
+              <a:t>Has this answered </a:t>
+            </a:r>
+            <a:r>
+              <a:rPr lang="en-US" b="1" dirty="0"/>
+              <a:t>your</a:t>
+            </a:r>
+            <a:r>
+              <a:rPr lang="en-US" dirty="0"/>
+              <a:t> questions?</a:t>
+            </a:r>
+          </a:p>
+          <a:p>
+            <a:r>
+              <a:rPr lang="en-US" dirty="0"/>
+              <a:t>How do </a:t>
+            </a:r>
+            <a:r>
+              <a:rPr lang="en-US" b="1" dirty="0"/>
+              <a:t>you</a:t>
+            </a:r>
+            <a:r>
+              <a:rPr lang="en-US" dirty="0"/>
+              <a:t> expect to use terminology and terminology services in </a:t>
+            </a:r>
+            <a:r>
+              <a:rPr lang="en-US" b="1" dirty="0"/>
+              <a:t>your</a:t>
+            </a:r>
+            <a:r>
+              <a:rPr lang="en-US" dirty="0"/>
+              <a:t> applications?</a:t>
+            </a:r>
+          </a:p>
+        </p:txBody>
+      </p:sp>
+      <p:sp>
+        <p:nvSpPr>
+          <p:cNvPr id="4" name="Slide Number Placeholder 3">
+            <a:extLst>
+              <a:ext uri="{FF2B5EF4-FFF2-40B4-BE49-F238E27FC236}">
+                <a16:creationId xmlns:a16="http://schemas.microsoft.com/office/drawing/2014/main" id="{D7AEF1BA-88D4-D648-97DB-3305029E370A}"/>
+              </a:ext>
+            </a:extLst>
+          </p:cNvPr>
           <p:cNvSpPr>
             <a:spLocks noGrp="1"/>
           </p:cNvSpPr>
@@ -15994,14 +15878,13 @@
     </p:spTree>
     <p:extLst>
       <p:ext uri="{BB962C8B-B14F-4D97-AF65-F5344CB8AC3E}">
-        <p14:creationId xmlns:p14="http://schemas.microsoft.com/office/powerpoint/2010/main" val="3718172211"/>
+        <p14:creationId xmlns:p14="http://schemas.microsoft.com/office/powerpoint/2010/main" val="4286807001"/>
       </p:ext>
     </p:extLst>
   </p:cSld>
   <p:clrMapOvr>
     <a:masterClrMapping/>
   </p:clrMapOvr>
-  <p:transition/>
 </p:sld>
 </file>
 
@@ -16024,7 +15907,7 @@
       </p:grpSpPr>
       <p:sp>
         <p:nvSpPr>
-          <p:cNvPr id="2" name="Title 1"/>
+          <p:cNvPr id="5" name="Title 4"/>
           <p:cNvSpPr>
             <a:spLocks noGrp="1"/>
           </p:cNvSpPr>
@@ -16038,76 +15921,28 @@
           <a:lstStyle/>
           <a:p>
             <a:r>
-              <a:rPr lang="en-US" noProof="0" dirty="0"/>
-              <a:t>Tutorial Learning </a:t>
-            </a:r>
-            <a:r>
-              <a:rPr lang="en-US" dirty="0"/>
-              <a:t>Objectives covered</a:t>
-            </a:r>
-            <a:endParaRPr lang="en-US" noProof="0" dirty="0"/>
-          </a:p>
-        </p:txBody>
-      </p:sp>
-      <p:sp>
-        <p:nvSpPr>
-          <p:cNvPr id="3" name="Content Placeholder 2"/>
-          <p:cNvSpPr>
-            <a:spLocks noGrp="1"/>
-          </p:cNvSpPr>
-          <p:nvPr>
-            <p:ph type="body" sz="quarter" idx="13"/>
-          </p:nvPr>
-        </p:nvSpPr>
-        <p:spPr/>
-        <p:txBody>
-          <a:bodyPr/>
-          <a:lstStyle/>
-          <a:p>
-            <a:pPr marL="0" indent="0">
-              <a:buNone/>
-            </a:pPr>
-            <a:r>
-              <a:rPr lang="en-US" b="1" dirty="0">
-                <a:cs typeface="Arial" panose="020B0604020202020204" pitchFamily="34" charset="0"/>
-              </a:rPr>
-              <a:t>Part 2 – Searching</a:t>
-            </a:r>
-            <a:r>
-              <a:rPr lang="en-US" b="1" dirty="0"/>
-              <a:t> and Services</a:t>
-            </a:r>
-            <a:endParaRPr lang="en-US" b="1" dirty="0">
-              <a:cs typeface="Arial" panose="020B0604020202020204" pitchFamily="34" charset="0"/>
-            </a:endParaRPr>
-          </a:p>
-          <a:p>
-            <a:r>
-              <a:rPr lang="en-US" dirty="0">
-                <a:solidFill>
-                  <a:srgbClr val="00B050"/>
-                </a:solidFill>
-                <a:cs typeface="Arial" panose="020B0604020202020204" pitchFamily="34" charset="0"/>
-              </a:rPr>
-              <a:t>Understand and use FHIR terminology-based search capabilities</a:t>
-            </a:r>
-          </a:p>
-          <a:p>
-            <a:r>
-              <a:rPr lang="en-US" dirty="0">
-                <a:solidFill>
-                  <a:srgbClr val="00B050"/>
-                </a:solidFill>
-                <a:cs typeface="Arial" panose="020B0604020202020204" pitchFamily="34" charset="0"/>
-              </a:rPr>
-              <a:t>Understand and use FHIR Terminology Service capabilities</a:t>
-            </a:r>
-          </a:p>
-        </p:txBody>
-      </p:sp>
-      <p:sp>
-        <p:nvSpPr>
-          <p:cNvPr id="4" name="Slide Number Placeholder 3"/>
+              <a:rPr lang="en-CA" dirty="0"/>
+              <a:t>Part 3 - additional TOPICS</a:t>
+            </a:r>
+            <a:br>
+              <a:rPr lang="en-CA" dirty="0"/>
+            </a:br>
+            <a:r>
+              <a:rPr lang="en-CA" dirty="0"/>
+              <a:t>for further learning</a:t>
+            </a:r>
+          </a:p>
+        </p:txBody>
+      </p:sp>
+      <p:sp>
+        <p:nvSpPr>
+          <p:cNvPr id="4" name="Slide Number Placeholder 3">
+            <a:extLst>
+              <a:ext uri="{FF2B5EF4-FFF2-40B4-BE49-F238E27FC236}">
+                <a16:creationId xmlns:a16="http://schemas.microsoft.com/office/drawing/2014/main" id="{DB7A0113-D9CD-084B-9377-0FE8E6D4ACD5}"/>
+              </a:ext>
+            </a:extLst>
+          </p:cNvPr>
           <p:cNvSpPr>
             <a:spLocks noGrp="1"/>
           </p:cNvSpPr>
@@ -16115,7 +15950,12 @@
             <p:ph type="sldNum" sz="quarter" idx="11"/>
           </p:nvPr>
         </p:nvSpPr>
-        <p:spPr/>
+        <p:spPr>
+          <a:xfrm>
+            <a:off x="7662862" y="4808560"/>
+            <a:ext cx="271463" cy="158750"/>
+          </a:xfrm>
+        </p:spPr>
         <p:txBody>
           <a:bodyPr/>
           <a:lstStyle/>
@@ -16125,21 +15965,20 @@
               <a:pPr/>
               <a:t>44</a:t>
             </a:fld>
-            <a:endParaRPr lang="en-CA"/>
+            <a:endParaRPr lang="en-CA" dirty="0"/>
           </a:p>
         </p:txBody>
       </p:sp>
     </p:spTree>
     <p:extLst>
       <p:ext uri="{BB962C8B-B14F-4D97-AF65-F5344CB8AC3E}">
-        <p14:creationId xmlns:p14="http://schemas.microsoft.com/office/powerpoint/2010/main" val="3594262892"/>
+        <p14:creationId xmlns:p14="http://schemas.microsoft.com/office/powerpoint/2010/main" val="1811986523"/>
       </p:ext>
     </p:extLst>
   </p:cSld>
   <p:clrMapOvr>
     <a:masterClrMapping/>
   </p:clrMapOvr>
-  <p:transition/>
 </p:sld>
 </file>
 
@@ -16162,13 +16001,7 @@
       </p:grpSpPr>
       <p:sp>
         <p:nvSpPr>
-          <p:cNvPr id="2" name="Title 1">
-            <a:extLst>
-              <a:ext uri="{FF2B5EF4-FFF2-40B4-BE49-F238E27FC236}">
-                <a16:creationId xmlns:a16="http://schemas.microsoft.com/office/drawing/2014/main" id="{594B59C6-BE69-104A-9BE2-0477C4E85454}"/>
-              </a:ext>
-            </a:extLst>
-          </p:cNvPr>
+          <p:cNvPr id="2" name="Title 1"/>
           <p:cNvSpPr>
             <a:spLocks noGrp="1"/>
           </p:cNvSpPr>
@@ -16183,20 +16016,14 @@
           <a:p>
             <a:r>
               <a:rPr lang="en-US" dirty="0"/>
-              <a:t>Final Questions and Answers </a:t>
-            </a:r>
-          </a:p>
-        </p:txBody>
-      </p:sp>
-      <p:sp>
-        <p:nvSpPr>
-          <p:cNvPr id="3" name="Content Placeholder 2">
-            <a:extLst>
-              <a:ext uri="{FF2B5EF4-FFF2-40B4-BE49-F238E27FC236}">
-                <a16:creationId xmlns:a16="http://schemas.microsoft.com/office/drawing/2014/main" id="{F3B0DF25-9666-C644-BEF9-89CD22006692}"/>
-              </a:ext>
-            </a:extLst>
-          </p:cNvPr>
+              <a:t>Additional Topics</a:t>
+            </a:r>
+          </a:p>
+        </p:txBody>
+      </p:sp>
+      <p:sp>
+        <p:nvSpPr>
+          <p:cNvPr id="3" name="Content Placeholder 2"/>
           <p:cNvSpPr>
             <a:spLocks noGrp="1"/>
           </p:cNvSpPr>
@@ -16211,50 +16038,35 @@
           <a:p>
             <a:r>
               <a:rPr lang="en-US" dirty="0"/>
-              <a:t>Has this answered </a:t>
-            </a:r>
-            <a:r>
-              <a:rPr lang="en-US" b="1" dirty="0"/>
-              <a:t>your</a:t>
-            </a:r>
+              <a:t>Implicit value sets</a:t>
+            </a:r>
+          </a:p>
+          <a:p>
             <a:r>
               <a:rPr lang="en-US" dirty="0"/>
-              <a:t> questions?</a:t>
+              <a:t>$closure operation</a:t>
             </a:r>
           </a:p>
           <a:p>
             <a:r>
               <a:rPr lang="en-US" dirty="0"/>
-              <a:t>How do </a:t>
-            </a:r>
-            <a:r>
-              <a:rPr lang="en-US" b="1" dirty="0"/>
-              <a:t>you</a:t>
-            </a:r>
+              <a:t>Code System Supplements and Fragments</a:t>
+            </a:r>
+          </a:p>
+          <a:p>
             <a:r>
               <a:rPr lang="en-US" dirty="0"/>
-              <a:t> expect to use terminology and terminology services in </a:t>
-            </a:r>
-            <a:r>
-              <a:rPr lang="en-US" b="1" dirty="0"/>
-              <a:t>your</a:t>
-            </a:r>
-            <a:r>
-              <a:rPr lang="en-US" dirty="0"/>
-              <a:t> applications?</a:t>
-            </a:r>
-          </a:p>
-        </p:txBody>
-      </p:sp>
-      <p:sp>
-        <p:nvSpPr>
-          <p:cNvPr id="4" name="Slide Number Placeholder 3">
-            <a:extLst>
-              <a:ext uri="{FF2B5EF4-FFF2-40B4-BE49-F238E27FC236}">
-                <a16:creationId xmlns:a16="http://schemas.microsoft.com/office/drawing/2014/main" id="{D7AEF1BA-88D4-D648-97DB-3305029E370A}"/>
-              </a:ext>
-            </a:extLst>
-          </p:cNvPr>
+              <a:t>SNOMED CT expressions and Expression Constraint Language (ECL)</a:t>
+            </a:r>
+          </a:p>
+          <a:p>
+            <a:endParaRPr lang="en-US" dirty="0"/>
+          </a:p>
+        </p:txBody>
+      </p:sp>
+      <p:sp>
+        <p:nvSpPr>
+          <p:cNvPr id="4" name="Slide Number Placeholder 3"/>
           <p:cNvSpPr>
             <a:spLocks noGrp="1"/>
           </p:cNvSpPr>
@@ -16279,7 +16091,7 @@
     </p:spTree>
     <p:extLst>
       <p:ext uri="{BB962C8B-B14F-4D97-AF65-F5344CB8AC3E}">
-        <p14:creationId xmlns:p14="http://schemas.microsoft.com/office/powerpoint/2010/main" val="4286807001"/>
+        <p14:creationId xmlns:p14="http://schemas.microsoft.com/office/powerpoint/2010/main" val="2056200425"/>
       </p:ext>
     </p:extLst>
   </p:cSld>
@@ -16308,13 +16120,7 @@
       </p:grpSpPr>
       <p:sp>
         <p:nvSpPr>
-          <p:cNvPr id="2" name="Title 1">
-            <a:extLst>
-              <a:ext uri="{FF2B5EF4-FFF2-40B4-BE49-F238E27FC236}">
-                <a16:creationId xmlns:a16="http://schemas.microsoft.com/office/drawing/2014/main" id="{65546E43-0665-FE4A-82F1-E72FC1B9D643}"/>
-              </a:ext>
-            </a:extLst>
-          </p:cNvPr>
+          <p:cNvPr id="2" name="Title 1"/>
           <p:cNvSpPr>
             <a:spLocks noGrp="1"/>
           </p:cNvSpPr>
@@ -16328,21 +16134,78 @@
           <a:lstStyle/>
           <a:p>
             <a:r>
+              <a:rPr lang="en-US"/>
+              <a:t>Implicit Value Sets</a:t>
+            </a:r>
+          </a:p>
+        </p:txBody>
+      </p:sp>
+      <p:sp>
+        <p:nvSpPr>
+          <p:cNvPr id="3" name="Content Placeholder 2"/>
+          <p:cNvSpPr>
+            <a:spLocks noGrp="1"/>
+          </p:cNvSpPr>
+          <p:nvPr>
+            <p:ph type="body" sz="quarter" idx="13"/>
+          </p:nvPr>
+        </p:nvSpPr>
+        <p:spPr/>
+        <p:txBody>
+          <a:bodyPr/>
+          <a:lstStyle/>
+          <a:p>
+            <a:r>
               <a:rPr lang="en-US" dirty="0"/>
-              <a:t>References for Servers and tools</a:t>
-            </a:r>
-          </a:p>
-        </p:txBody>
-      </p:sp>
-      <p:sp>
-        <p:nvSpPr>
-          <p:cNvPr id="5" name="Slide Number Placeholder 3">
-            <a:extLst>
-              <a:ext uri="{FF2B5EF4-FFF2-40B4-BE49-F238E27FC236}">
-                <a16:creationId xmlns:a16="http://schemas.microsoft.com/office/drawing/2014/main" id="{7AFB0337-F4B4-BE4B-979A-E077DAB9B509}"/>
-              </a:ext>
-            </a:extLst>
-          </p:cNvPr>
+              <a:t>Implicit value sets are those whose specification can be predicted based on the grammar of the underlying code system, and the known structure of the URL that identifies them</a:t>
+            </a:r>
+          </a:p>
+          <a:p>
+            <a:r>
+              <a:rPr lang="en-US" dirty="0"/>
+              <a:t>Example - SNOMED CT has common sets of implicit value sets defined: </a:t>
+            </a:r>
+          </a:p>
+          <a:p>
+            <a:pPr lvl="1"/>
+            <a:r>
+              <a:rPr lang="en-US" dirty="0"/>
+              <a:t>By </a:t>
+            </a:r>
+            <a:r>
+              <a:rPr lang="en-US" dirty="0" err="1"/>
+              <a:t>Subsumption</a:t>
+            </a:r>
+            <a:r>
+              <a:rPr lang="en-US" dirty="0"/>
+              <a:t>, By Reference Set, etc.</a:t>
+            </a:r>
+          </a:p>
+          <a:p>
+            <a:pPr lvl="1"/>
+            <a:r>
+              <a:rPr lang="en-US" dirty="0"/>
+              <a:t>See </a:t>
+            </a:r>
+            <a:r>
+              <a:rPr lang="en-US" dirty="0">
+                <a:hlinkClick r:id="rId2"/>
+              </a:rPr>
+              <a:t>http://hl7.org/fhir/snomedct.html#implicit</a:t>
+            </a:r>
+            <a:endParaRPr lang="en-US" dirty="0"/>
+          </a:p>
+          <a:p>
+            <a:pPr marL="342900" lvl="1" indent="0">
+              <a:buNone/>
+            </a:pPr>
+            <a:endParaRPr lang="en-US" dirty="0"/>
+          </a:p>
+        </p:txBody>
+      </p:sp>
+      <p:sp>
+        <p:nvSpPr>
+          <p:cNvPr id="4" name="Slide Number Placeholder 3"/>
           <p:cNvSpPr>
             <a:spLocks noGrp="1"/>
           </p:cNvSpPr>
@@ -16350,12 +16213,7 @@
             <p:ph type="sldNum" sz="quarter" idx="11"/>
           </p:nvPr>
         </p:nvSpPr>
-        <p:spPr>
-          <a:xfrm>
-            <a:off x="7662862" y="4808560"/>
-            <a:ext cx="271463" cy="158750"/>
-          </a:xfrm>
-        </p:spPr>
+        <p:spPr/>
         <p:txBody>
           <a:bodyPr/>
           <a:lstStyle/>
@@ -16365,14 +16223,14 @@
               <a:pPr/>
               <a:t>46</a:t>
             </a:fld>
-            <a:endParaRPr lang="en-CA" dirty="0"/>
+            <a:endParaRPr lang="en-CA"/>
           </a:p>
         </p:txBody>
       </p:sp>
     </p:spTree>
     <p:extLst>
       <p:ext uri="{BB962C8B-B14F-4D97-AF65-F5344CB8AC3E}">
-        <p14:creationId xmlns:p14="http://schemas.microsoft.com/office/powerpoint/2010/main" val="1424856056"/>
+        <p14:creationId xmlns:p14="http://schemas.microsoft.com/office/powerpoint/2010/main" val="2170073687"/>
       </p:ext>
     </p:extLst>
   </p:cSld>
@@ -16415,8 +16273,8 @@
           <a:lstStyle/>
           <a:p>
             <a:r>
-              <a:rPr lang="en-US" dirty="0"/>
-              <a:t>Some Publicly Available Terminology Servers</a:t>
+              <a:rPr lang="en-US"/>
+              <a:t>Implicit Value Sets (cont.)</a:t>
             </a:r>
           </a:p>
         </p:txBody>
@@ -16431,115 +16289,22 @@
             <p:ph type="body" sz="quarter" idx="13"/>
           </p:nvPr>
         </p:nvSpPr>
-        <p:spPr>
-          <a:xfrm>
-            <a:off x="614362" y="1344168"/>
-            <a:ext cx="8228883" cy="2929042"/>
-          </a:xfrm>
-        </p:spPr>
-        <p:txBody>
-          <a:bodyPr/>
-          <a:lstStyle/>
-          <a:p>
-            <a:r>
-              <a:rPr lang="en-US" dirty="0"/>
-              <a:t>Health Intersections (Grahame Grieve)</a:t>
+        <p:spPr/>
+        <p:txBody>
+          <a:bodyPr/>
+          <a:lstStyle/>
+          <a:p>
+            <a:r>
+              <a:rPr lang="en-US"/>
+              <a:t>Implicit value sets do not use complex queries</a:t>
             </a:r>
           </a:p>
           <a:p>
             <a:pPr lvl="1"/>
             <a:r>
-              <a:rPr lang="en-US" dirty="0">
-                <a:hlinkClick r:id="rId2"/>
-              </a:rPr>
-              <a:t>http://tx.fhir.org/</a:t>
-            </a:r>
-            <a:r>
-              <a:rPr lang="en-US" dirty="0"/>
-              <a:t> (FHIR build terminology server)</a:t>
-            </a:r>
-          </a:p>
-          <a:p>
-            <a:r>
-              <a:rPr lang="en-US" dirty="0"/>
-              <a:t>HAPI (University Health Network </a:t>
-            </a:r>
-            <a:r>
-              <a:rPr lang="mr-IN" dirty="0"/>
-              <a:t>–</a:t>
-            </a:r>
-            <a:r>
-              <a:rPr lang="en-US" dirty="0"/>
-              <a:t> James Agnew)</a:t>
-            </a:r>
-          </a:p>
-          <a:p>
-            <a:pPr lvl="1"/>
-            <a:r>
-              <a:rPr lang="en-US" dirty="0">
-                <a:hlinkClick r:id="rId3"/>
-              </a:rPr>
-              <a:t>http://hapi.fhir.org/</a:t>
-            </a:r>
-            <a:endParaRPr lang="en-US" dirty="0"/>
-          </a:p>
-          <a:p>
-            <a:r>
-              <a:rPr lang="en-US" dirty="0" err="1"/>
-              <a:t>OntoServer</a:t>
-            </a:r>
-            <a:r>
-              <a:rPr lang="en-US" dirty="0"/>
-              <a:t> (CSIRO </a:t>
-            </a:r>
-            <a:r>
-              <a:rPr lang="mr-IN" dirty="0"/>
-              <a:t>–</a:t>
-            </a:r>
-            <a:r>
-              <a:rPr lang="en-US" dirty="0"/>
-              <a:t> Australia </a:t>
-            </a:r>
-            <a:r>
-              <a:rPr lang="mr-IN" dirty="0"/>
-              <a:t>–</a:t>
-            </a:r>
-            <a:r>
-              <a:rPr lang="en-US" dirty="0"/>
-              <a:t> Michael Lawley)</a:t>
-            </a:r>
-          </a:p>
-          <a:p>
-            <a:pPr lvl="1"/>
-            <a:r>
-              <a:rPr lang="en-US" u="sng" dirty="0">
-                <a:hlinkClick r:id="rId4"/>
-              </a:rPr>
-              <a:t>https://ontoserver.csiro.au/</a:t>
-            </a:r>
-            <a:endParaRPr lang="en-US" u="sng" dirty="0">
-              <a:hlinkClick r:id="rId5"/>
-            </a:endParaRPr>
-          </a:p>
-          <a:p>
-            <a:pPr lvl="1"/>
-            <a:r>
-              <a:rPr lang="en-US" u="sng" dirty="0">
-                <a:hlinkClick r:id="rId5"/>
-              </a:rPr>
-              <a:t>https://stu3.ontoserver.csiro.au/fhir</a:t>
-            </a:r>
-            <a:endParaRPr lang="en-US" u="sng" dirty="0"/>
-          </a:p>
-          <a:p>
-            <a:pPr lvl="1"/>
-            <a:r>
-              <a:rPr lang="en-US" dirty="0">
-                <a:hlinkClick r:id="rId6"/>
-              </a:rPr>
-              <a:t>https://r4.ontoserver.csiro.au/fhir</a:t>
-            </a:r>
-            <a:endParaRPr lang="en-US" dirty="0"/>
+              <a:rPr lang="en-US"/>
+              <a:t>Allows a single URL to serve as a value set definition that defines a value set, and can serve as the basis for the $expansion operation</a:t>
+            </a:r>
           </a:p>
         </p:txBody>
       </p:sp>
@@ -16570,7 +16335,7 @@
     </p:spTree>
     <p:extLst>
       <p:ext uri="{BB962C8B-B14F-4D97-AF65-F5344CB8AC3E}">
-        <p14:creationId xmlns:p14="http://schemas.microsoft.com/office/powerpoint/2010/main" val="2251517132"/>
+        <p14:creationId xmlns:p14="http://schemas.microsoft.com/office/powerpoint/2010/main" val="1125545635"/>
       </p:ext>
     </p:extLst>
   </p:cSld>
@@ -16614,7 +16379,7 @@
           <a:p>
             <a:r>
               <a:rPr lang="en-US"/>
-              <a:t>Some Publicly Available Terminology Servers</a:t>
+              <a:t>Implicit Value Set $expand Example URL</a:t>
             </a:r>
           </a:p>
         </p:txBody>
@@ -16629,19 +16394,22 @@
             <p:ph type="body" sz="quarter" idx="13"/>
           </p:nvPr>
         </p:nvSpPr>
-        <p:spPr>
-          <a:xfrm>
-            <a:off x="614362" y="1344168"/>
-            <a:ext cx="8228883" cy="2929042"/>
-          </a:xfrm>
-        </p:spPr>
+        <p:spPr/>
         <p:txBody>
           <a:bodyPr/>
           <a:lstStyle/>
           <a:p>
             <a:r>
               <a:rPr lang="en-US" dirty="0"/>
-              <a:t>Value Set Authority Center (VSAC) – US National Library of Medicine (NLM)</a:t>
+              <a:t>SNOMED CT subtypes of “Pneumonia” (</a:t>
+            </a:r>
+            <a:r>
+              <a:rPr lang="is-IS" dirty="0"/>
+              <a:t>233604007</a:t>
+            </a:r>
+            <a:r>
+              <a:rPr lang="en-US" dirty="0"/>
+              <a:t>)</a:t>
             </a:r>
           </a:p>
           <a:p>
@@ -16650,35 +16418,9 @@
               <a:rPr lang="en-US" dirty="0">
                 <a:hlinkClick r:id="rId2"/>
               </a:rPr>
-              <a:t>https://cts.nlm.nih.gov/fhir/</a:t>
+              <a:t>https://r4.ontoserver.csiro.au/fhir/ValueSet/$expand?url=http%3A%2F%2Fsnomed.info%2Fsct%3Ffhir_vs=isa%2F233604007</a:t>
             </a:r>
             <a:endParaRPr lang="en-US" dirty="0"/>
-          </a:p>
-          <a:p>
-            <a:r>
-              <a:rPr lang="en-US" dirty="0" err="1"/>
-              <a:t>Terminz</a:t>
-            </a:r>
-            <a:r>
-              <a:rPr lang="en-US" dirty="0"/>
-              <a:t> (Patients First </a:t>
-            </a:r>
-            <a:r>
-              <a:rPr lang="mr-IN" dirty="0"/>
-              <a:t>–</a:t>
-            </a:r>
-            <a:r>
-              <a:rPr lang="en-US" dirty="0"/>
-              <a:t> New Zealand </a:t>
-            </a:r>
-            <a:r>
-              <a:rPr lang="mr-IN" dirty="0"/>
-              <a:t>–</a:t>
-            </a:r>
-            <a:r>
-              <a:rPr lang="en-US" dirty="0"/>
-              <a:t> Peter Jordan)</a:t>
-            </a:r>
           </a:p>
           <a:p>
             <a:pPr lvl="1"/>
@@ -16686,15 +16428,9 @@
               <a:rPr lang="en-US" dirty="0">
                 <a:hlinkClick r:id="rId3"/>
               </a:rPr>
-              <a:t>https://terminz.azurewebsites.net/fhir</a:t>
+              <a:t>http://tx.fhir.org/r4/ValueSet/$expand?url=http%3A%2F%2Fsnomed.info%2Fsct%3Ffhir_vs=isa%2F233604007</a:t>
             </a:r>
             <a:endParaRPr lang="en-US" dirty="0"/>
-          </a:p>
-          <a:p>
-            <a:r>
-              <a:rPr lang="en-US" dirty="0"/>
-              <a:t>Link to other publicly available FHIR servers (general and terminology)</a:t>
-            </a:r>
           </a:p>
           <a:p>
             <a:pPr lvl="1"/>
@@ -16702,12 +16438,9 @@
               <a:rPr lang="en-US" dirty="0">
                 <a:hlinkClick r:id="rId4"/>
               </a:rPr>
-              <a:t>https://confluence.hl7.org/display/FHIR/Public+Test+Servers</a:t>
-            </a:r>
-            <a:r>
-              <a:rPr lang="en-US" dirty="0"/>
-              <a:t> </a:t>
-            </a:r>
+              <a:t>https://terminz.azurewebsites.net/fhir/ValueSet/$expand?url=http%3A%2F%2Fsnomed.info%2Fsct%3Ffhir_vs=isa%2F233604007&amp;_format=json&amp;_pretty=true</a:t>
+            </a:r>
+            <a:endParaRPr lang="en-US" dirty="0"/>
           </a:p>
         </p:txBody>
       </p:sp>
@@ -16738,7 +16471,7 @@
     </p:spTree>
     <p:extLst>
       <p:ext uri="{BB962C8B-B14F-4D97-AF65-F5344CB8AC3E}">
-        <p14:creationId xmlns:p14="http://schemas.microsoft.com/office/powerpoint/2010/main" val="2840050983"/>
+        <p14:creationId xmlns:p14="http://schemas.microsoft.com/office/powerpoint/2010/main" val="2222839035"/>
       </p:ext>
     </p:extLst>
   </p:cSld>
@@ -16781,8 +16514,8 @@
           <a:lstStyle/>
           <a:p>
             <a:r>
-              <a:rPr lang="en-US" dirty="0"/>
-              <a:t>Some Useful Tools</a:t>
+              <a:rPr lang="en-AU"/>
+              <a:t>Closure – why do we need it?</a:t>
             </a:r>
           </a:p>
         </p:txBody>
@@ -16797,99 +16530,27 @@
             <p:ph type="body" sz="quarter" idx="13"/>
           </p:nvPr>
         </p:nvSpPr>
-        <p:spPr>
-          <a:xfrm>
-            <a:off x="614362" y="1161288"/>
-            <a:ext cx="8228883" cy="2929042"/>
-          </a:xfrm>
-        </p:spPr>
-        <p:txBody>
-          <a:bodyPr/>
-          <a:lstStyle/>
-          <a:p>
-            <a:r>
-              <a:rPr lang="en-US" dirty="0" err="1"/>
-              <a:t>clinFHIR</a:t>
-            </a:r>
-            <a:r>
-              <a:rPr lang="en-US" dirty="0"/>
-              <a:t> (David Hay)</a:t>
-            </a:r>
-          </a:p>
-          <a:p>
-            <a:pPr lvl="1"/>
-            <a:r>
-              <a:rPr lang="en-US" dirty="0" err="1"/>
-              <a:t>CodeSystem</a:t>
-            </a:r>
-            <a:r>
-              <a:rPr lang="en-US" dirty="0"/>
-              <a:t> builder</a:t>
-            </a:r>
-          </a:p>
-          <a:p>
-            <a:pPr lvl="2"/>
-            <a:r>
-              <a:rPr lang="en-US" dirty="0">
-                <a:hlinkClick r:id="rId2"/>
-              </a:rPr>
-              <a:t>http://clinfhir.com/codeSystem.html</a:t>
-            </a:r>
-            <a:endParaRPr lang="en-US" dirty="0"/>
-          </a:p>
-          <a:p>
-            <a:pPr lvl="1"/>
-            <a:r>
-              <a:rPr lang="en-US" dirty="0" err="1"/>
-              <a:t>ValueSet</a:t>
-            </a:r>
-            <a:r>
-              <a:rPr lang="en-US" dirty="0"/>
-              <a:t> explorer</a:t>
-            </a:r>
-          </a:p>
-          <a:p>
-            <a:pPr lvl="2"/>
-            <a:r>
-              <a:rPr lang="en-US" dirty="0">
-                <a:hlinkClick r:id="rId3"/>
-              </a:rPr>
-              <a:t>http://clinfhir.com/valuesetCreator.html</a:t>
-            </a:r>
-            <a:endParaRPr lang="en-US" dirty="0"/>
-          </a:p>
-          <a:p>
-            <a:pPr lvl="1"/>
-            <a:r>
-              <a:rPr lang="en-US" dirty="0"/>
-              <a:t>Query Tool</a:t>
-            </a:r>
-          </a:p>
-          <a:p>
-            <a:pPr lvl="2"/>
-            <a:r>
-              <a:rPr lang="en-US" dirty="0">
-                <a:hlinkClick r:id="rId4"/>
-              </a:rPr>
-              <a:t>http://clinfhir.com/query.html</a:t>
-            </a:r>
-            <a:endParaRPr lang="en-US" dirty="0"/>
-          </a:p>
-          <a:p>
-            <a:r>
-              <a:rPr lang="en-US" dirty="0"/>
-              <a:t>Postman</a:t>
-            </a:r>
-          </a:p>
-          <a:p>
-            <a:pPr lvl="1"/>
-            <a:r>
-              <a:rPr lang="en-US" dirty="0">
-                <a:hlinkClick r:id="rId5"/>
-              </a:rPr>
-              <a:t>https://www.getpostman.com/</a:t>
-            </a:r>
-            <a:endParaRPr lang="en-US" dirty="0"/>
+        <p:spPr/>
+        <p:txBody>
+          <a:bodyPr/>
+          <a:lstStyle/>
+          <a:p>
+            <a:r>
+              <a:rPr lang="en-AU"/>
+              <a:t>Find any observations for male patients over the age of 50 who attended a particular clinic within a particular 2 week period, with a diagnosis of gout, and who had an elevated serum creatinine</a:t>
+            </a:r>
+          </a:p>
+          <a:p>
+            <a:r>
+              <a:rPr lang="en-AU"/>
+              <a:t>Some of this is terminology based, some isn’t</a:t>
+            </a:r>
+          </a:p>
+          <a:p>
+            <a:r>
+              <a:rPr lang="en-AU"/>
+              <a:t>How do you make this work? </a:t>
+            </a:r>
           </a:p>
         </p:txBody>
       </p:sp>
@@ -16920,7 +16581,7 @@
     </p:spTree>
     <p:extLst>
       <p:ext uri="{BB962C8B-B14F-4D97-AF65-F5344CB8AC3E}">
-        <p14:creationId xmlns:p14="http://schemas.microsoft.com/office/powerpoint/2010/main" val="1929080411"/>
+        <p14:creationId xmlns:p14="http://schemas.microsoft.com/office/powerpoint/2010/main" val="464503696"/>
       </p:ext>
     </p:extLst>
   </p:cSld>
@@ -17095,8 +16756,8 @@
           <a:lstStyle/>
           <a:p>
             <a:r>
-              <a:rPr lang="en-US" dirty="0"/>
-              <a:t>Some Useful Tools (cont.)</a:t>
+              <a:rPr lang="en-US"/>
+              <a:t>Closure – the problem and the FHIR approach</a:t>
             </a:r>
           </a:p>
         </p:txBody>
@@ -17117,51 +16778,45 @@
           <a:lstStyle/>
           <a:p>
             <a:r>
-              <a:rPr lang="en-US" dirty="0"/>
-              <a:t>Shrimp SNOMED CT browser (CSIRO)</a:t>
+              <a:rPr lang="en-US"/>
+              <a:t>Both "diagnosis of gout" and "serum creatinine" involve value set and/or </a:t>
+            </a:r>
+            <a:r>
+              <a:rPr lang="en-US" err="1"/>
+              <a:t>subsumption</a:t>
+            </a:r>
+            <a:r>
+              <a:rPr lang="en-US"/>
+              <a:t> queries (against SNOMED CT and LOINC respectively)</a:t>
+            </a:r>
+          </a:p>
+          <a:p>
+            <a:r>
+              <a:rPr lang="en-US"/>
+              <a:t>Generate a </a:t>
+            </a:r>
+            <a:r>
+              <a:rPr lang="en-US" err="1"/>
+              <a:t>subsumption</a:t>
+            </a:r>
+            <a:r>
+              <a:rPr lang="en-US"/>
+              <a:t> closure table on the fly, as new codes are seen</a:t>
             </a:r>
           </a:p>
           <a:p>
             <a:pPr lvl="1"/>
             <a:r>
-              <a:rPr lang="en-US" dirty="0">
-                <a:hlinkClick r:id="rId2"/>
-              </a:rPr>
-              <a:t>http://ontoserver.csiro.au/shrimp</a:t>
-            </a:r>
-            <a:endParaRPr lang="en-US" dirty="0"/>
-          </a:p>
-          <a:p>
-            <a:r>
-              <a:rPr lang="en-US" dirty="0"/>
-              <a:t>CSIRO Value Set Comparison Tool</a:t>
+              <a:rPr lang="en-US"/>
+              <a:t>Terminology server does terminological reasoning</a:t>
             </a:r>
           </a:p>
           <a:p>
             <a:pPr lvl="1"/>
             <a:r>
-              <a:rPr lang="en-US" dirty="0">
-                <a:hlinkClick r:id="rId3"/>
-              </a:rPr>
-              <a:t>http://ontoserver.csiro.au/vstool</a:t>
-            </a:r>
-            <a:endParaRPr lang="en-US" dirty="0"/>
-          </a:p>
-          <a:p>
-            <a:r>
-              <a:rPr lang="en-US" dirty="0"/>
-              <a:t>FHIR Tools release page</a:t>
-            </a:r>
-          </a:p>
-          <a:p>
-            <a:pPr lvl="1"/>
-            <a:r>
-              <a:rPr lang="en-US" dirty="0">
-                <a:hlinkClick r:id="rId4"/>
-              </a:rPr>
-              <a:t>http://www.healthintersections.com.au/FhirServer/</a:t>
-            </a:r>
-            <a:endParaRPr lang="en-US" dirty="0"/>
+              <a:rPr lang="en-US"/>
+              <a:t>Client does closure table maintenance</a:t>
+            </a:r>
           </a:p>
         </p:txBody>
       </p:sp>
@@ -17192,7 +16847,7 @@
     </p:spTree>
     <p:extLst>
       <p:ext uri="{BB962C8B-B14F-4D97-AF65-F5344CB8AC3E}">
-        <p14:creationId xmlns:p14="http://schemas.microsoft.com/office/powerpoint/2010/main" val="3745656551"/>
+        <p14:creationId xmlns:p14="http://schemas.microsoft.com/office/powerpoint/2010/main" val="2450207340"/>
       </p:ext>
     </p:extLst>
   </p:cSld>
@@ -17235,106 +16890,79 @@
           <a:lstStyle/>
           <a:p>
             <a:r>
+              <a:rPr lang="en-AU"/>
+              <a:t>$closure</a:t>
+            </a:r>
+          </a:p>
+        </p:txBody>
+      </p:sp>
+      <p:sp>
+        <p:nvSpPr>
+          <p:cNvPr id="3" name="Content Placeholder 2"/>
+          <p:cNvSpPr>
+            <a:spLocks noGrp="1"/>
+          </p:cNvSpPr>
+          <p:nvPr>
+            <p:ph type="body" sz="quarter" idx="13"/>
+          </p:nvPr>
+        </p:nvSpPr>
+        <p:spPr/>
+        <p:txBody>
+          <a:bodyPr/>
+          <a:lstStyle/>
+          <a:p>
+            <a:r>
               <a:rPr lang="en-AU" dirty="0"/>
-              <a:t>More Questions?</a:t>
-            </a:r>
-          </a:p>
-        </p:txBody>
-      </p:sp>
-      <p:sp>
-        <p:nvSpPr>
-          <p:cNvPr id="3" name="Content Placeholder 2"/>
-          <p:cNvSpPr>
-            <a:spLocks noGrp="1"/>
-          </p:cNvSpPr>
-          <p:nvPr>
-            <p:ph type="body" sz="quarter" idx="13"/>
-          </p:nvPr>
-        </p:nvSpPr>
-        <p:spPr>
-          <a:xfrm>
-            <a:off x="614362" y="1097280"/>
-            <a:ext cx="8228883" cy="2929042"/>
-          </a:xfrm>
-        </p:spPr>
-        <p:txBody>
-          <a:bodyPr/>
-          <a:lstStyle/>
-          <a:p>
-            <a:pPr marL="0" indent="0">
-              <a:buNone/>
-            </a:pPr>
+              <a:t>For every new code encountered by the client in a context:</a:t>
+            </a:r>
+          </a:p>
+          <a:p>
             <a:r>
               <a:rPr lang="en-AU" dirty="0"/>
-              <a:t>Connect with the FHIR community:</a:t>
-            </a:r>
-            <a:br>
+              <a:t>Ask the server what relationships exist with codes already in that context</a:t>
+            </a:r>
+          </a:p>
+          <a:p>
+            <a:r>
               <a:rPr lang="en-AU" dirty="0"/>
-            </a:br>
+              <a:t>Put them all in a ‘closure’ table</a:t>
+            </a:r>
+          </a:p>
+          <a:p>
+            <a:pPr lvl="1"/>
             <a:r>
               <a:rPr lang="en-AU" dirty="0"/>
-              <a:t>FHIR </a:t>
+              <a:t>Concept table (key : system : code : display)</a:t>
+            </a:r>
+          </a:p>
+          <a:p>
+            <a:pPr lvl="1"/>
+            <a:r>
+              <a:rPr lang="en-AU" dirty="0"/>
+              <a:t>Closure table (</a:t>
             </a:r>
             <a:r>
               <a:rPr lang="en-AU" dirty="0" err="1"/>
-              <a:t>Zulip</a:t>
+              <a:t>keySource</a:t>
             </a:r>
             <a:r>
               <a:rPr lang="en-AU" dirty="0"/>
-              <a:t> chat terminology stream</a:t>
-            </a:r>
-          </a:p>
-          <a:p>
-            <a:pPr marL="0" indent="0">
-              <a:buNone/>
-            </a:pPr>
-            <a:r>
-              <a:rPr lang="en-AU" sz="2250" dirty="0">
-                <a:hlinkClick r:id="rId2"/>
-              </a:rPr>
-              <a:t>https://chat.fhir.org/#narrow/stream/terminology</a:t>
-            </a:r>
-            <a:endParaRPr lang="en-AU" sz="2000" dirty="0"/>
-          </a:p>
-          <a:p>
-            <a:pPr marL="0" indent="0">
-              <a:buNone/>
-            </a:pPr>
-            <a:endParaRPr lang="en-AU" sz="1800" dirty="0"/>
-          </a:p>
-          <a:p>
-            <a:pPr marL="0" indent="0">
-              <a:buNone/>
-            </a:pPr>
+              <a:t>, </a:t>
+            </a:r>
+            <a:r>
+              <a:rPr lang="en-AU" dirty="0" err="1"/>
+              <a:t>keyDest</a:t>
+            </a:r>
             <a:r>
               <a:rPr lang="en-AU" dirty="0"/>
-              <a:t>Or ask me:</a:t>
-            </a:r>
-            <a:br>
+              <a:t>)</a:t>
+            </a:r>
+          </a:p>
+          <a:p>
+            <a:r>
               <a:rPr lang="en-AU" dirty="0"/>
-            </a:br>
-            <a:r>
-              <a:rPr lang="en-AU" dirty="0"/>
-              <a:t>Rob Hausam</a:t>
-            </a:r>
-          </a:p>
-          <a:p>
-            <a:pPr marL="0" indent="0">
-              <a:buNone/>
-            </a:pPr>
-            <a:r>
-              <a:rPr lang="en-AU" dirty="0">
-                <a:hlinkClick r:id="rId3"/>
-              </a:rPr>
-              <a:t>rob@hausamconsulting.com</a:t>
-            </a:r>
-            <a:endParaRPr lang="en-AU" dirty="0"/>
-          </a:p>
-          <a:p>
-            <a:pPr marL="0" indent="0">
-              <a:buNone/>
-            </a:pPr>
-            <a:endParaRPr lang="en-AU" dirty="0"/>
+              <a:t>Can include joins on this table as part of other queries </a:t>
+            </a:r>
           </a:p>
         </p:txBody>
       </p:sp>
@@ -17365,7 +16993,7 @@
     </p:spTree>
     <p:extLst>
       <p:ext uri="{BB962C8B-B14F-4D97-AF65-F5344CB8AC3E}">
-        <p14:creationId xmlns:p14="http://schemas.microsoft.com/office/powerpoint/2010/main" val="1839755958"/>
+        <p14:creationId xmlns:p14="http://schemas.microsoft.com/office/powerpoint/2010/main" val="4013906694"/>
       </p:ext>
     </p:extLst>
   </p:cSld>
@@ -17394,7 +17022,7 @@
       </p:grpSpPr>
       <p:sp>
         <p:nvSpPr>
-          <p:cNvPr id="5" name="Title 4"/>
+          <p:cNvPr id="2" name="Title 1"/>
           <p:cNvSpPr>
             <a:spLocks noGrp="1"/>
           </p:cNvSpPr>
@@ -17408,28 +17036,58 @@
           <a:lstStyle/>
           <a:p>
             <a:r>
-              <a:rPr lang="en-CA" dirty="0"/>
-              <a:t>additional TOPICS</a:t>
-            </a:r>
-            <a:br>
-              <a:rPr lang="en-CA" dirty="0"/>
-            </a:br>
-            <a:r>
-              <a:rPr lang="en-CA" dirty="0"/>
-              <a:t>(for further learning)</a:t>
-            </a:r>
-          </a:p>
-        </p:txBody>
-      </p:sp>
-      <p:sp>
-        <p:nvSpPr>
-          <p:cNvPr id="4" name="Slide Number Placeholder 3">
-            <a:extLst>
-              <a:ext uri="{FF2B5EF4-FFF2-40B4-BE49-F238E27FC236}">
-                <a16:creationId xmlns:a16="http://schemas.microsoft.com/office/drawing/2014/main" id="{DB7A0113-D9CD-084B-9377-0FE8E6D4ACD5}"/>
-              </a:ext>
-            </a:extLst>
-          </p:cNvPr>
+              <a:rPr lang="en-AU" dirty="0"/>
+              <a:t>$closure example</a:t>
+            </a:r>
+          </a:p>
+        </p:txBody>
+      </p:sp>
+      <p:sp>
+        <p:nvSpPr>
+          <p:cNvPr id="3" name="Content Placeholder 2"/>
+          <p:cNvSpPr>
+            <a:spLocks noGrp="1"/>
+          </p:cNvSpPr>
+          <p:nvPr>
+            <p:ph type="body" sz="quarter" idx="13"/>
+          </p:nvPr>
+        </p:nvSpPr>
+        <p:spPr/>
+        <p:txBody>
+          <a:bodyPr/>
+          <a:lstStyle/>
+          <a:p>
+            <a:r>
+              <a:rPr lang="en-AU" dirty="0"/>
+              <a:t>See “Follow the Yellow-Brick Code” presentation by Jim Steel </a:t>
+            </a:r>
+            <a:r>
+              <a:rPr lang="en-US" dirty="0"/>
+              <a:t>(slides 22-26)</a:t>
+            </a:r>
+            <a:endParaRPr lang="en-AU" dirty="0"/>
+          </a:p>
+          <a:p>
+            <a:pPr lvl="1"/>
+            <a:r>
+              <a:rPr lang="en-US" dirty="0"/>
+              <a:t>Step 6. Glinda </a:t>
+            </a:r>
+            <a:r>
+              <a:rPr lang="en-US" dirty="0" err="1"/>
+              <a:t>Goodwitch</a:t>
+            </a:r>
+            <a:r>
+              <a:rPr lang="en-US" dirty="0"/>
+              <a:t> is doing some analytics</a:t>
+            </a:r>
+            <a:endParaRPr lang="en-AU" dirty="0"/>
+          </a:p>
+        </p:txBody>
+      </p:sp>
+      <p:sp>
+        <p:nvSpPr>
+          <p:cNvPr id="4" name="Slide Number Placeholder 3"/>
           <p:cNvSpPr>
             <a:spLocks noGrp="1"/>
           </p:cNvSpPr>
@@ -17437,12 +17095,7 @@
             <p:ph type="sldNum" sz="quarter" idx="11"/>
           </p:nvPr>
         </p:nvSpPr>
-        <p:spPr>
-          <a:xfrm>
-            <a:off x="7662862" y="4808560"/>
-            <a:ext cx="271463" cy="158750"/>
-          </a:xfrm>
-        </p:spPr>
+        <p:spPr/>
         <p:txBody>
           <a:bodyPr/>
           <a:lstStyle/>
@@ -17452,14 +17105,14 @@
               <a:pPr/>
               <a:t>52</a:t>
             </a:fld>
-            <a:endParaRPr lang="en-CA" dirty="0"/>
+            <a:endParaRPr lang="en-CA"/>
           </a:p>
         </p:txBody>
       </p:sp>
     </p:spTree>
     <p:extLst>
       <p:ext uri="{BB962C8B-B14F-4D97-AF65-F5344CB8AC3E}">
-        <p14:creationId xmlns:p14="http://schemas.microsoft.com/office/powerpoint/2010/main" val="1811986523"/>
+        <p14:creationId xmlns:p14="http://schemas.microsoft.com/office/powerpoint/2010/main" val="457155129"/>
       </p:ext>
     </p:extLst>
   </p:cSld>
@@ -17502,15 +17155,8 @@
           <a:lstStyle/>
           <a:p>
             <a:r>
-              <a:rPr lang="en-US" dirty="0"/>
-              <a:t>Additional Topics</a:t>
-            </a:r>
-            <a:br>
-              <a:rPr lang="en-US" dirty="0"/>
-            </a:br>
-            <a:r>
-              <a:rPr lang="en-US" dirty="0"/>
-              <a:t>(time and interest permitting)</a:t>
+              <a:rPr lang="en-AU" dirty="0"/>
+              <a:t>Code System Supplements and Fragments</a:t>
             </a:r>
           </a:p>
         </p:txBody>
@@ -17531,21 +17177,77 @@
           <a:lstStyle/>
           <a:p>
             <a:r>
-              <a:rPr lang="en-US" dirty="0"/>
-              <a:t>Implicit value sets</a:t>
-            </a:r>
-          </a:p>
-          <a:p>
-            <a:r>
-              <a:rPr lang="en-US" dirty="0"/>
-              <a:t>$find-matches</a:t>
-            </a:r>
-          </a:p>
-          <a:p>
-            <a:r>
-              <a:rPr lang="en-US" dirty="0"/>
-              <a:t>$closure</a:t>
-            </a:r>
+              <a:rPr lang="en-AU" dirty="0"/>
+              <a:t>Supplement</a:t>
+            </a:r>
+          </a:p>
+          <a:p>
+            <a:pPr lvl="1"/>
+            <a:r>
+              <a:rPr lang="en-AU" dirty="0" err="1"/>
+              <a:t>CodeSystem.content</a:t>
+            </a:r>
+            <a:r>
+              <a:rPr lang="en-AU" dirty="0"/>
+              <a:t> = ‘supplement’</a:t>
+            </a:r>
+          </a:p>
+          <a:p>
+            <a:pPr lvl="1"/>
+            <a:r>
+              <a:rPr lang="en-AU" dirty="0"/>
+              <a:t>http://hl7.org/</a:t>
+            </a:r>
+            <a:r>
+              <a:rPr lang="en-AU" dirty="0" err="1"/>
+              <a:t>fhir</a:t>
+            </a:r>
+            <a:r>
+              <a:rPr lang="en-AU" dirty="0"/>
+              <a:t>/</a:t>
+            </a:r>
+            <a:r>
+              <a:rPr lang="en-AU" dirty="0" err="1"/>
+              <a:t>codesystem.html#supplements</a:t>
+            </a:r>
+            <a:endParaRPr lang="en-AU" dirty="0"/>
+          </a:p>
+          <a:p>
+            <a:r>
+              <a:rPr lang="en-AU" dirty="0"/>
+              <a:t>Fragment</a:t>
+            </a:r>
+          </a:p>
+          <a:p>
+            <a:pPr lvl="1"/>
+            <a:r>
+              <a:rPr lang="en-AU" dirty="0" err="1"/>
+              <a:t>CodeSystem.content</a:t>
+            </a:r>
+            <a:r>
+              <a:rPr lang="en-AU" dirty="0"/>
+              <a:t> = ‘fragment’</a:t>
+            </a:r>
+          </a:p>
+          <a:p>
+            <a:pPr lvl="1"/>
+            <a:r>
+              <a:rPr lang="en-AU" dirty="0"/>
+              <a:t>http://hl7.org/</a:t>
+            </a:r>
+            <a:r>
+              <a:rPr lang="en-AU" dirty="0" err="1"/>
+              <a:t>fhir</a:t>
+            </a:r>
+            <a:r>
+              <a:rPr lang="en-AU" dirty="0"/>
+              <a:t>/</a:t>
+            </a:r>
+            <a:r>
+              <a:rPr lang="en-AU" dirty="0" err="1"/>
+              <a:t>codesystem.html#fragments</a:t>
+            </a:r>
+            <a:endParaRPr lang="en-AU" dirty="0"/>
           </a:p>
         </p:txBody>
       </p:sp>
@@ -17576,7 +17278,7 @@
     </p:spTree>
     <p:extLst>
       <p:ext uri="{BB962C8B-B14F-4D97-AF65-F5344CB8AC3E}">
-        <p14:creationId xmlns:p14="http://schemas.microsoft.com/office/powerpoint/2010/main" val="2056200425"/>
+        <p14:creationId xmlns:p14="http://schemas.microsoft.com/office/powerpoint/2010/main" val="2253548037"/>
       </p:ext>
     </p:extLst>
   </p:cSld>
@@ -17619,8 +17321,8 @@
           <a:lstStyle/>
           <a:p>
             <a:r>
-              <a:rPr lang="en-US"/>
-              <a:t>Implicit Value Sets</a:t>
+              <a:rPr lang="en-AU" dirty="0"/>
+              <a:t>Code System Supplement</a:t>
             </a:r>
           </a:p>
         </p:txBody>
@@ -17641,50 +17343,70 @@
           <a:lstStyle/>
           <a:p>
             <a:r>
+              <a:rPr lang="en-US" dirty="0" err="1"/>
+              <a:t>CodeSystem.supplements</a:t>
+            </a:r>
+            <a:r>
               <a:rPr lang="en-US" dirty="0"/>
-              <a:t>Implicit value sets are those whose specification can be predicted based on the grammar of the underlying code system, and the known structure of the URL that identifies them</a:t>
-            </a:r>
-          </a:p>
-          <a:p>
+              <a:t> SHALL have a value – the URL of the code system being supplemented</a:t>
+            </a:r>
+          </a:p>
+          <a:p>
+            <a:r>
+              <a:rPr lang="en-US" dirty="0" err="1"/>
+              <a:t>CodeSystem.url</a:t>
+            </a:r>
             <a:r>
               <a:rPr lang="en-US" dirty="0"/>
-              <a:t>Example - SNOMED CT has common sets of implicit value sets defined: </a:t>
-            </a:r>
-          </a:p>
-          <a:p>
-            <a:pPr lvl="1"/>
-            <a:r>
-              <a:rPr lang="en-US" dirty="0"/>
-              <a:t>By </a:t>
-            </a:r>
-            <a:r>
-              <a:rPr lang="en-US" dirty="0" err="1"/>
-              <a:t>Subsumption</a:t>
-            </a:r>
-            <a:r>
-              <a:rPr lang="en-US" dirty="0"/>
-              <a:t>, By Reference Set, etc.</a:t>
-            </a:r>
-          </a:p>
-          <a:p>
-            <a:pPr lvl="1"/>
-            <a:r>
-              <a:rPr lang="en-US" dirty="0"/>
-              <a:t>See </a:t>
+              <a:t> SHALL never appear in a </a:t>
             </a:r>
             <a:r>
               <a:rPr lang="en-US" dirty="0">
                 <a:hlinkClick r:id="rId2"/>
               </a:rPr>
-              <a:t>http://hl7.org/fhir/snomedct.html#implicit</a:t>
+              <a:t>Coding.system</a:t>
             </a:r>
             <a:endParaRPr lang="en-US" dirty="0"/>
           </a:p>
           <a:p>
-            <a:pPr marL="342900" lvl="1" indent="0">
+            <a:r>
+              <a:rPr lang="en-US" dirty="0" err="1"/>
+              <a:t>CodeSystem.url</a:t>
+            </a:r>
+            <a:r>
+              <a:rPr lang="en-US" dirty="0"/>
+              <a:t> must be under control of the authority creating or publishing the supplement (</a:t>
+            </a:r>
+            <a:r>
+              <a:rPr lang="en-US" b="1" dirty="0"/>
+              <a:t>usually </a:t>
+            </a:r>
+            <a:r>
+              <a:rPr lang="en-US" dirty="0"/>
+              <a:t>different from the original code system</a:t>
+            </a:r>
+          </a:p>
+          <a:p>
+            <a:pPr marL="0" indent="0">
               <a:buNone/>
             </a:pPr>
             <a:endParaRPr lang="en-US" dirty="0"/>
+          </a:p>
+          <a:p>
+            <a:pPr marL="0" indent="0">
+              <a:buNone/>
+            </a:pPr>
+            <a:endParaRPr lang="en-AU" dirty="0"/>
+          </a:p>
+          <a:p>
+            <a:pPr marL="0" indent="0">
+              <a:buNone/>
+            </a:pPr>
+            <a:endParaRPr lang="en-AU" dirty="0"/>
+          </a:p>
+          <a:p>
+            <a:pPr lvl="1"/>
+            <a:endParaRPr lang="en-AU" dirty="0"/>
           </a:p>
         </p:txBody>
       </p:sp>
@@ -17715,7 +17437,7 @@
     </p:spTree>
     <p:extLst>
       <p:ext uri="{BB962C8B-B14F-4D97-AF65-F5344CB8AC3E}">
-        <p14:creationId xmlns:p14="http://schemas.microsoft.com/office/powerpoint/2010/main" val="2170073687"/>
+        <p14:creationId xmlns:p14="http://schemas.microsoft.com/office/powerpoint/2010/main" val="3752177190"/>
       </p:ext>
     </p:extLst>
   </p:cSld>
@@ -17758,8 +17480,8 @@
           <a:lstStyle/>
           <a:p>
             <a:r>
-              <a:rPr lang="en-US"/>
-              <a:t>Implicit Value Sets (cont.)</a:t>
+              <a:rPr lang="en-AU" dirty="0"/>
+              <a:t>Code System Supplement</a:t>
             </a:r>
           </a:p>
         </p:txBody>
@@ -17780,16 +17502,54 @@
           <a:lstStyle/>
           <a:p>
             <a:r>
-              <a:rPr lang="en-US"/>
-              <a:t>Implicit value sets do not use complex queries</a:t>
-            </a:r>
+              <a:rPr lang="en-US" dirty="0"/>
+              <a:t>Cannot define any new </a:t>
+            </a:r>
+            <a:r>
+              <a:rPr lang="en-US" dirty="0" err="1"/>
+              <a:t>CodeSystem.concept.code</a:t>
+            </a:r>
+            <a:endParaRPr lang="en-US" dirty="0"/>
           </a:p>
           <a:p>
             <a:pPr lvl="1"/>
             <a:r>
-              <a:rPr lang="en-US"/>
-              <a:t>Allows a single URL to serve as a value set definition that defines a value set, and can serve as the basis for the $expansion operation</a:t>
-            </a:r>
+              <a:rPr lang="en-US" dirty="0"/>
+              <a:t>All instances of </a:t>
+            </a:r>
+            <a:r>
+              <a:rPr lang="en-US" dirty="0" err="1"/>
+              <a:t>CodeSystem.concept.code</a:t>
+            </a:r>
+            <a:r>
+              <a:rPr lang="en-US" dirty="0"/>
+              <a:t> in the supplement must be a code from the "supplemented" code system</a:t>
+            </a:r>
+          </a:p>
+          <a:p>
+            <a:r>
+              <a:rPr lang="en-US" dirty="0"/>
+              <a:t>Note: If need to define new concepts/codes to use as property values, the supplement can be paired with a new (possibly contained) Code System and use the Coding type for the property values</a:t>
+            </a:r>
+          </a:p>
+          <a:p>
+            <a:endParaRPr lang="en-US" dirty="0"/>
+          </a:p>
+          <a:p>
+            <a:pPr marL="0" indent="0">
+              <a:buNone/>
+            </a:pPr>
+            <a:endParaRPr lang="en-AU" dirty="0"/>
+          </a:p>
+          <a:p>
+            <a:pPr marL="0" indent="0">
+              <a:buNone/>
+            </a:pPr>
+            <a:endParaRPr lang="en-AU" dirty="0"/>
+          </a:p>
+          <a:p>
+            <a:pPr lvl="1"/>
+            <a:endParaRPr lang="en-AU" dirty="0"/>
           </a:p>
         </p:txBody>
       </p:sp>
@@ -17820,7 +17580,7 @@
     </p:spTree>
     <p:extLst>
       <p:ext uri="{BB962C8B-B14F-4D97-AF65-F5344CB8AC3E}">
-        <p14:creationId xmlns:p14="http://schemas.microsoft.com/office/powerpoint/2010/main" val="1125545635"/>
+        <p14:creationId xmlns:p14="http://schemas.microsoft.com/office/powerpoint/2010/main" val="543548752"/>
       </p:ext>
     </p:extLst>
   </p:cSld>
@@ -17863,8 +17623,8 @@
           <a:lstStyle/>
           <a:p>
             <a:r>
-              <a:rPr lang="en-US"/>
-              <a:t>Implicit Value Set $expand Example URL</a:t>
+              <a:rPr lang="en-AU" dirty="0"/>
+              <a:t>Code System Supplement Example</a:t>
             </a:r>
           </a:p>
         </p:txBody>
@@ -17884,48 +17644,29 @@
           <a:bodyPr/>
           <a:lstStyle/>
           <a:p>
-            <a:r>
-              <a:rPr lang="en-US" dirty="0"/>
-              <a:t>SNOMED CT subtypes of “Pneumonia” (</a:t>
-            </a:r>
-            <a:r>
-              <a:rPr lang="is-IS" dirty="0"/>
-              <a:t>233604007</a:t>
-            </a:r>
-            <a:r>
-              <a:rPr lang="en-US" dirty="0"/>
-              <a:t>)</a:t>
-            </a:r>
+            <a:endParaRPr lang="en-US" dirty="0"/>
+          </a:p>
+          <a:p>
+            <a:pPr marL="0" indent="0">
+              <a:buNone/>
+            </a:pPr>
+            <a:endParaRPr lang="en-US" dirty="0"/>
+          </a:p>
+          <a:p>
+            <a:pPr marL="0" indent="0">
+              <a:buNone/>
+            </a:pPr>
+            <a:endParaRPr lang="en-AU" dirty="0"/>
+          </a:p>
+          <a:p>
+            <a:pPr marL="0" indent="0">
+              <a:buNone/>
+            </a:pPr>
+            <a:endParaRPr lang="en-AU" dirty="0"/>
           </a:p>
           <a:p>
             <a:pPr lvl="1"/>
-            <a:r>
-              <a:rPr lang="en-US" dirty="0">
-                <a:hlinkClick r:id="rId2"/>
-              </a:rPr>
-              <a:t>https://r4.ontoserver.csiro.au/fhir/ValueSet/$expand?url=http%3A%2F%2Fsnomed.info%2Fsct%3Ffhir_vs=isa%2F233604007</a:t>
-            </a:r>
-            <a:endParaRPr lang="en-US" dirty="0"/>
-          </a:p>
-          <a:p>
-            <a:pPr lvl="1"/>
-            <a:r>
-              <a:rPr lang="en-US" dirty="0">
-                <a:hlinkClick r:id="rId3"/>
-              </a:rPr>
-              <a:t>http://tx.fhir.org/r4/ValueSet/$expand?url=http%3A%2F%2Fsnomed.info%2Fsct%3Ffhir_vs=isa%2F233604007</a:t>
-            </a:r>
-            <a:endParaRPr lang="en-US" dirty="0"/>
-          </a:p>
-          <a:p>
-            <a:pPr lvl="1"/>
-            <a:r>
-              <a:rPr lang="en-US" dirty="0">
-                <a:hlinkClick r:id="rId4"/>
-              </a:rPr>
-              <a:t>https://terminz.azurewebsites.net/fhir/ValueSet/$expand?url=http%3A%2F%2Fsnomed.info%2Fsct%3Ffhir_vs=isa%2F233604007&amp;_format=json</a:t>
-            </a:r>
-            <a:endParaRPr lang="en-US" dirty="0"/>
+            <a:endParaRPr lang="en-AU" dirty="0"/>
           </a:p>
         </p:txBody>
       </p:sp>
@@ -17956,7 +17697,7 @@
     </p:spTree>
     <p:extLst>
       <p:ext uri="{BB962C8B-B14F-4D97-AF65-F5344CB8AC3E}">
-        <p14:creationId xmlns:p14="http://schemas.microsoft.com/office/powerpoint/2010/main" val="2222839035"/>
+        <p14:creationId xmlns:p14="http://schemas.microsoft.com/office/powerpoint/2010/main" val="2189492574"/>
       </p:ext>
     </p:extLst>
   </p:cSld>
@@ -17999,15 +17740,8 @@
           <a:lstStyle/>
           <a:p>
             <a:r>
-              <a:rPr lang="en-CA" dirty="0"/>
-              <a:t>$find-matches</a:t>
-            </a:r>
-            <a:br>
-              <a:rPr lang="en-CA" dirty="0"/>
-            </a:br>
-            <a:r>
-              <a:rPr lang="en-CA" dirty="0"/>
-              <a:t>(formerly $compose)</a:t>
+              <a:rPr lang="en-AU" dirty="0"/>
+              <a:t>Code System Fragment</a:t>
             </a:r>
           </a:p>
         </p:txBody>
@@ -18029,28 +17763,45 @@
           <a:p>
             <a:r>
               <a:rPr lang="en-US" dirty="0"/>
-              <a:t>Given a set of properties (and text), return one or more possible matching codes</a:t>
-            </a:r>
-          </a:p>
-          <a:p>
+              <a:t>Reasons for using a code system fragment</a:t>
+            </a:r>
+          </a:p>
+          <a:p>
+            <a:pPr lvl="1"/>
             <a:r>
               <a:rPr lang="en-US" dirty="0"/>
-              <a:t>This operation takes a set of properties, and examines the code system looking for codes in the code system that match a set of known properties.</a:t>
-            </a:r>
-            <a:endParaRPr lang="en-CA" dirty="0"/>
-          </a:p>
-          <a:p>
-            <a:r>
-              <a:rPr lang="en-CA" dirty="0"/>
-              <a:t>Example use:</a:t>
+              <a:t>Different IP distribution rules for different parts of the code system</a:t>
             </a:r>
           </a:p>
           <a:p>
             <a:pPr lvl="1"/>
             <a:r>
-              <a:rPr lang="en-CA" dirty="0"/>
-              <a:t>SNOMED Composition - provide multiple properties, and ask for a single pre-coordinated code that represents the whole</a:t>
-            </a:r>
+              <a:rPr lang="en-US" dirty="0"/>
+              <a:t>Special purpose modules for specific purposes</a:t>
+            </a:r>
+          </a:p>
+          <a:p>
+            <a:pPr lvl="1"/>
+            <a:r>
+              <a:rPr lang="en-US" dirty="0"/>
+              <a:t>Distribution of proposed content for evaluation</a:t>
+            </a:r>
+          </a:p>
+          <a:p>
+            <a:pPr marL="0" indent="0">
+              <a:buNone/>
+            </a:pPr>
+            <a:endParaRPr lang="en-AU" dirty="0"/>
+          </a:p>
+          <a:p>
+            <a:pPr marL="0" indent="0">
+              <a:buNone/>
+            </a:pPr>
+            <a:endParaRPr lang="en-AU" dirty="0"/>
+          </a:p>
+          <a:p>
+            <a:pPr lvl="1"/>
+            <a:endParaRPr lang="en-AU" dirty="0"/>
           </a:p>
         </p:txBody>
       </p:sp>
@@ -18081,7 +17832,7 @@
     </p:spTree>
     <p:extLst>
       <p:ext uri="{BB962C8B-B14F-4D97-AF65-F5344CB8AC3E}">
-        <p14:creationId xmlns:p14="http://schemas.microsoft.com/office/powerpoint/2010/main" val="1336561751"/>
+        <p14:creationId xmlns:p14="http://schemas.microsoft.com/office/powerpoint/2010/main" val="2271561408"/>
       </p:ext>
     </p:extLst>
   </p:cSld>
@@ -18124,8 +17875,8 @@
           <a:lstStyle/>
           <a:p>
             <a:r>
-              <a:rPr lang="en-AU"/>
-              <a:t>Closure – why do we need it?</a:t>
+              <a:rPr lang="en-AU" dirty="0"/>
+              <a:t>Code System Fragment</a:t>
             </a:r>
           </a:p>
         </p:txBody>
@@ -18140,27 +17891,73 @@
             <p:ph type="body" sz="quarter" idx="13"/>
           </p:nvPr>
         </p:nvSpPr>
-        <p:spPr/>
-        <p:txBody>
-          <a:bodyPr/>
-          <a:lstStyle/>
-          <a:p>
-            <a:r>
-              <a:rPr lang="en-AU"/>
-              <a:t>Find any observations for male patients over the age of 50 who attended a particular clinic within a particular 2 week period, with a diagnosis of gout, and who had an elevated serum creatinine</a:t>
-            </a:r>
-          </a:p>
-          <a:p>
-            <a:r>
-              <a:rPr lang="en-AU"/>
-              <a:t>Some of this is terminology based, some isn’t</a:t>
-            </a:r>
-          </a:p>
-          <a:p>
-            <a:r>
-              <a:rPr lang="en-AU"/>
-              <a:t>How do you make this work? </a:t>
-            </a:r>
+        <p:spPr>
+          <a:xfrm>
+            <a:off x="605397" y="1527048"/>
+            <a:ext cx="8228883" cy="2929042"/>
+          </a:xfrm>
+        </p:spPr>
+        <p:txBody>
+          <a:bodyPr/>
+          <a:lstStyle/>
+          <a:p>
+            <a:r>
+              <a:rPr lang="en-US" dirty="0"/>
+              <a:t>Rules for code system fragments</a:t>
+            </a:r>
+          </a:p>
+          <a:p>
+            <a:pPr lvl="1"/>
+            <a:r>
+              <a:rPr lang="en-US" dirty="0"/>
+              <a:t>SHALL have the same </a:t>
+            </a:r>
+            <a:r>
+              <a:rPr lang="en-US" dirty="0" err="1"/>
+              <a:t>CodeSystem.url</a:t>
+            </a:r>
+            <a:endParaRPr lang="en-US" dirty="0"/>
+          </a:p>
+          <a:p>
+            <a:pPr lvl="1"/>
+            <a:r>
+              <a:rPr lang="en-US" dirty="0"/>
+              <a:t>Can only(?) be published by the code system authority, or according to a process defined by the authority, if they have defined one</a:t>
+            </a:r>
+          </a:p>
+          <a:p>
+            <a:pPr lvl="1"/>
+            <a:r>
+              <a:rPr lang="en-US" dirty="0"/>
+              <a:t>Cannot contain codes, concepts or properties that are not found in a complete representation of the code system (if one exists)</a:t>
+            </a:r>
+          </a:p>
+          <a:p>
+            <a:pPr lvl="1"/>
+            <a:r>
+              <a:rPr lang="en-US" dirty="0"/>
+              <a:t>Publishing a code system in multiple fragments can create confusion for terminology servers and terminology service consumers - need to be clear about the intent</a:t>
+            </a:r>
+          </a:p>
+          <a:p>
+            <a:pPr lvl="1"/>
+            <a:endParaRPr lang="en-US" dirty="0"/>
+          </a:p>
+          <a:p>
+            <a:pPr marL="0" indent="0">
+              <a:buNone/>
+            </a:pPr>
+            <a:endParaRPr lang="en-AU" dirty="0"/>
+          </a:p>
+          <a:p>
+            <a:pPr marL="0" indent="0">
+              <a:buNone/>
+            </a:pPr>
+            <a:endParaRPr lang="en-AU" dirty="0"/>
+          </a:p>
+          <a:p>
+            <a:pPr lvl="1"/>
+            <a:endParaRPr lang="en-AU" dirty="0"/>
           </a:p>
         </p:txBody>
       </p:sp>
@@ -18191,7 +17988,7 @@
     </p:spTree>
     <p:extLst>
       <p:ext uri="{BB962C8B-B14F-4D97-AF65-F5344CB8AC3E}">
-        <p14:creationId xmlns:p14="http://schemas.microsoft.com/office/powerpoint/2010/main" val="464503696"/>
+        <p14:creationId xmlns:p14="http://schemas.microsoft.com/office/powerpoint/2010/main" val="2115525430"/>
       </p:ext>
     </p:extLst>
   </p:cSld>
@@ -18234,8 +18031,8 @@
           <a:lstStyle/>
           <a:p>
             <a:r>
-              <a:rPr lang="en-US"/>
-              <a:t>Closure – the problem and the FHIR approach</a:t>
+              <a:rPr lang="en-AU" dirty="0"/>
+              <a:t>SNOMED CT expressions and Expression Constraint Language (ECL)</a:t>
             </a:r>
           </a:p>
         </p:txBody>
@@ -18256,44 +18053,112 @@
           <a:lstStyle/>
           <a:p>
             <a:r>
-              <a:rPr lang="en-US"/>
-              <a:t>Both "diagnosis of gout" and "serum creatinine" involve value set and/or </a:t>
-            </a:r>
-            <a:r>
-              <a:rPr lang="en-US" err="1"/>
-              <a:t>subsumption</a:t>
-            </a:r>
-            <a:r>
-              <a:rPr lang="en-US"/>
-              <a:t> queries (against SNOMED CT and LOINC respectively)</a:t>
-            </a:r>
-          </a:p>
-          <a:p>
-            <a:r>
-              <a:rPr lang="en-US"/>
-              <a:t>Generate a </a:t>
-            </a:r>
-            <a:r>
-              <a:rPr lang="en-US" err="1"/>
-              <a:t>subsumption</a:t>
-            </a:r>
-            <a:r>
-              <a:rPr lang="en-US"/>
-              <a:t> closure table on the fly, as new codes are seen</a:t>
+              <a:rPr lang="en-AU" dirty="0"/>
+              <a:t>Expressions</a:t>
             </a:r>
           </a:p>
           <a:p>
             <a:pPr lvl="1"/>
             <a:r>
-              <a:rPr lang="en-US"/>
-              <a:t>Terminology server does terminological reasoning</a:t>
+              <a:rPr lang="en-AU" dirty="0">
+                <a:hlinkClick r:id="rId2"/>
+              </a:rPr>
+              <a:t>http://hl7.org/fhir/snomedct.html#4.3.1.0.5</a:t>
+            </a:r>
+            <a:endParaRPr lang="en-AU" dirty="0"/>
+          </a:p>
+          <a:p>
+            <a:r>
+              <a:rPr lang="en-AU" dirty="0"/>
+              <a:t>ECL</a:t>
             </a:r>
           </a:p>
           <a:p>
             <a:pPr lvl="1"/>
             <a:r>
-              <a:rPr lang="en-US"/>
-              <a:t>Client does closure table maintenance</a:t>
+              <a:rPr lang="en-AU" dirty="0"/>
+              <a:t>See </a:t>
+            </a:r>
+            <a:r>
+              <a:rPr lang="en-AU" dirty="0">
+                <a:hlinkClick r:id="rId3"/>
+              </a:rPr>
+              <a:t>SNOMED CT Filters</a:t>
+            </a:r>
+            <a:endParaRPr lang="en-AU" dirty="0"/>
+          </a:p>
+          <a:p>
+            <a:pPr lvl="1"/>
+            <a:r>
+              <a:rPr lang="en-AU" dirty="0"/>
+              <a:t>See SNOMED CT </a:t>
+            </a:r>
+            <a:r>
+              <a:rPr lang="en-AU" dirty="0">
+                <a:hlinkClick r:id="rId4"/>
+              </a:rPr>
+              <a:t>Implicit Value Sets</a:t>
+            </a:r>
+            <a:r>
+              <a:rPr lang="en-AU" dirty="0"/>
+              <a:t> (fifth bullet)</a:t>
+            </a:r>
+          </a:p>
+          <a:p>
+            <a:r>
+              <a:rPr lang="en-AU" dirty="0"/>
+              <a:t>SNOMED CT </a:t>
+            </a:r>
+            <a:r>
+              <a:rPr lang="en-AU" dirty="0">
+                <a:hlinkClick r:id="rId5"/>
+              </a:rPr>
+              <a:t>Browser</a:t>
+            </a:r>
+            <a:endParaRPr lang="en-AU" dirty="0"/>
+          </a:p>
+          <a:p>
+            <a:pPr lvl="1"/>
+            <a:r>
+              <a:rPr lang="en-AU" dirty="0"/>
+              <a:t>Expression Constraint Queries tab</a:t>
+            </a:r>
+          </a:p>
+          <a:p>
+            <a:r>
+              <a:rPr lang="en-AU" dirty="0"/>
+              <a:t>SNOMED ECL Builder (</a:t>
+            </a:r>
+            <a:r>
+              <a:rPr lang="en-AU" dirty="0" err="1"/>
+              <a:t>OntoServer</a:t>
+            </a:r>
+            <a:r>
+              <a:rPr lang="en-AU" dirty="0"/>
+              <a:t>)</a:t>
+            </a:r>
+          </a:p>
+          <a:p>
+            <a:pPr lvl="1"/>
+            <a:r>
+              <a:rPr lang="en-AU" dirty="0"/>
+              <a:t>https://</a:t>
+            </a:r>
+            <a:r>
+              <a:rPr lang="en-AU" dirty="0" err="1"/>
+              <a:t>ontoserver.csiro.au</a:t>
+            </a:r>
+            <a:r>
+              <a:rPr lang="en-AU" dirty="0"/>
+              <a:t>/shrimp/</a:t>
+            </a:r>
+            <a:r>
+              <a:rPr lang="en-AU" dirty="0" err="1"/>
+              <a:t>ecl</a:t>
+            </a:r>
+            <a:r>
+              <a:rPr lang="en-AU" dirty="0"/>
+              <a:t>/</a:t>
             </a:r>
           </a:p>
         </p:txBody>
@@ -18325,7 +18190,7 @@
     </p:spTree>
     <p:extLst>
       <p:ext uri="{BB962C8B-B14F-4D97-AF65-F5344CB8AC3E}">
-        <p14:creationId xmlns:p14="http://schemas.microsoft.com/office/powerpoint/2010/main" val="2450207340"/>
+        <p14:creationId xmlns:p14="http://schemas.microsoft.com/office/powerpoint/2010/main" val="2553218836"/>
       </p:ext>
     </p:extLst>
   </p:cSld>
@@ -18560,7 +18425,13 @@
       </p:grpSpPr>
       <p:sp>
         <p:nvSpPr>
-          <p:cNvPr id="2" name="Title 1"/>
+          <p:cNvPr id="2" name="Title 1">
+            <a:extLst>
+              <a:ext uri="{FF2B5EF4-FFF2-40B4-BE49-F238E27FC236}">
+                <a16:creationId xmlns:a16="http://schemas.microsoft.com/office/drawing/2014/main" id="{65546E43-0665-FE4A-82F1-E72FC1B9D643}"/>
+              </a:ext>
+            </a:extLst>
+          </p:cNvPr>
           <p:cNvSpPr>
             <a:spLocks noGrp="1"/>
           </p:cNvSpPr>
@@ -18574,85 +18445,21 @@
           <a:lstStyle/>
           <a:p>
             <a:r>
-              <a:rPr lang="en-AU"/>
-              <a:t>$closure</a:t>
-            </a:r>
-          </a:p>
-        </p:txBody>
-      </p:sp>
-      <p:sp>
-        <p:nvSpPr>
-          <p:cNvPr id="3" name="Content Placeholder 2"/>
-          <p:cNvSpPr>
-            <a:spLocks noGrp="1"/>
-          </p:cNvSpPr>
-          <p:nvPr>
-            <p:ph type="body" sz="quarter" idx="13"/>
-          </p:nvPr>
-        </p:nvSpPr>
-        <p:spPr/>
-        <p:txBody>
-          <a:bodyPr/>
-          <a:lstStyle/>
-          <a:p>
-            <a:r>
-              <a:rPr lang="en-AU" dirty="0"/>
-              <a:t>For every new code encountered by the client in a context:</a:t>
-            </a:r>
-          </a:p>
-          <a:p>
-            <a:r>
-              <a:rPr lang="en-AU" dirty="0"/>
-              <a:t>Ask the server what relationships exist with codes already in that context</a:t>
-            </a:r>
-          </a:p>
-          <a:p>
-            <a:r>
-              <a:rPr lang="en-AU" dirty="0"/>
-              <a:t>Put them all in a ‘closure’ table</a:t>
-            </a:r>
-          </a:p>
-          <a:p>
-            <a:pPr lvl="1"/>
-            <a:r>
-              <a:rPr lang="en-AU" dirty="0"/>
-              <a:t>Concept table (key : system : code : display)</a:t>
-            </a:r>
-          </a:p>
-          <a:p>
-            <a:pPr lvl="1"/>
-            <a:r>
-              <a:rPr lang="en-AU" dirty="0"/>
-              <a:t>Closure table (</a:t>
-            </a:r>
-            <a:r>
-              <a:rPr lang="en-AU" dirty="0" err="1"/>
-              <a:t>keySource</a:t>
-            </a:r>
-            <a:r>
-              <a:rPr lang="en-AU" dirty="0"/>
-              <a:t>, </a:t>
-            </a:r>
-            <a:r>
-              <a:rPr lang="en-AU" dirty="0" err="1"/>
-              <a:t>keyDest</a:t>
-            </a:r>
-            <a:r>
-              <a:rPr lang="en-AU" dirty="0"/>
-              <a:t>)</a:t>
-            </a:r>
-          </a:p>
-          <a:p>
-            <a:r>
-              <a:rPr lang="en-AU" dirty="0"/>
-              <a:t>Can include joins on this table as part of other queries </a:t>
-            </a:r>
-          </a:p>
-        </p:txBody>
-      </p:sp>
-      <p:sp>
-        <p:nvSpPr>
-          <p:cNvPr id="4" name="Slide Number Placeholder 3"/>
+              <a:rPr lang="en-US" dirty="0"/>
+              <a:t>References for Servers and tools</a:t>
+            </a:r>
+          </a:p>
+        </p:txBody>
+      </p:sp>
+      <p:sp>
+        <p:nvSpPr>
+          <p:cNvPr id="5" name="Slide Number Placeholder 3">
+            <a:extLst>
+              <a:ext uri="{FF2B5EF4-FFF2-40B4-BE49-F238E27FC236}">
+                <a16:creationId xmlns:a16="http://schemas.microsoft.com/office/drawing/2014/main" id="{7AFB0337-F4B4-BE4B-979A-E077DAB9B509}"/>
+              </a:ext>
+            </a:extLst>
+          </p:cNvPr>
           <p:cNvSpPr>
             <a:spLocks noGrp="1"/>
           </p:cNvSpPr>
@@ -18660,7 +18467,12 @@
             <p:ph type="sldNum" sz="quarter" idx="11"/>
           </p:nvPr>
         </p:nvSpPr>
-        <p:spPr/>
+        <p:spPr>
+          <a:xfrm>
+            <a:off x="7662862" y="4808560"/>
+            <a:ext cx="271463" cy="158750"/>
+          </a:xfrm>
+        </p:spPr>
         <p:txBody>
           <a:bodyPr/>
           <a:lstStyle/>
@@ -18670,14 +18482,889 @@
               <a:pPr/>
               <a:t>60</a:t>
             </a:fld>
-            <a:endParaRPr lang="en-CA"/>
+            <a:endParaRPr lang="en-CA" dirty="0"/>
           </a:p>
         </p:txBody>
       </p:sp>
     </p:spTree>
     <p:extLst>
       <p:ext uri="{BB962C8B-B14F-4D97-AF65-F5344CB8AC3E}">
-        <p14:creationId xmlns:p14="http://schemas.microsoft.com/office/powerpoint/2010/main" val="4013906694"/>
+        <p14:creationId xmlns:p14="http://schemas.microsoft.com/office/powerpoint/2010/main" val="1424856056"/>
+      </p:ext>
+    </p:extLst>
+  </p:cSld>
+  <p:clrMapOvr>
+    <a:masterClrMapping/>
+  </p:clrMapOvr>
+</p:sld>
+</file>
+
+<file path=ppt/slides/slide61.xml><?xml version="1.0" encoding="utf-8"?>
+<p:sld xmlns:a="http://schemas.openxmlformats.org/drawingml/2006/main" xmlns:r="http://schemas.openxmlformats.org/officeDocument/2006/relationships" xmlns:p="http://schemas.openxmlformats.org/presentationml/2006/main">
+  <p:cSld>
+    <p:spTree>
+      <p:nvGrpSpPr>
+        <p:cNvPr id="1" name=""/>
+        <p:cNvGrpSpPr/>
+        <p:nvPr/>
+      </p:nvGrpSpPr>
+      <p:grpSpPr>
+        <a:xfrm>
+          <a:off x="0" y="0"/>
+          <a:ext cx="0" cy="0"/>
+          <a:chOff x="0" y="0"/>
+          <a:chExt cx="0" cy="0"/>
+        </a:xfrm>
+      </p:grpSpPr>
+      <p:sp>
+        <p:nvSpPr>
+          <p:cNvPr id="2" name="Title 1"/>
+          <p:cNvSpPr>
+            <a:spLocks noGrp="1"/>
+          </p:cNvSpPr>
+          <p:nvPr>
+            <p:ph type="title"/>
+          </p:nvPr>
+        </p:nvSpPr>
+        <p:spPr/>
+        <p:txBody>
+          <a:bodyPr/>
+          <a:lstStyle/>
+          <a:p>
+            <a:r>
+              <a:rPr lang="en-US" dirty="0"/>
+              <a:t>Some Publicly Available Terminology Servers</a:t>
+            </a:r>
+          </a:p>
+        </p:txBody>
+      </p:sp>
+      <p:sp>
+        <p:nvSpPr>
+          <p:cNvPr id="3" name="Content Placeholder 2"/>
+          <p:cNvSpPr>
+            <a:spLocks noGrp="1"/>
+          </p:cNvSpPr>
+          <p:nvPr>
+            <p:ph type="body" sz="quarter" idx="13"/>
+          </p:nvPr>
+        </p:nvSpPr>
+        <p:spPr>
+          <a:xfrm>
+            <a:off x="614362" y="1344168"/>
+            <a:ext cx="8228883" cy="2929042"/>
+          </a:xfrm>
+        </p:spPr>
+        <p:txBody>
+          <a:bodyPr/>
+          <a:lstStyle/>
+          <a:p>
+            <a:r>
+              <a:rPr lang="en-US" dirty="0"/>
+              <a:t>Health Intersections (Grahame Grieve)</a:t>
+            </a:r>
+          </a:p>
+          <a:p>
+            <a:pPr lvl="1"/>
+            <a:r>
+              <a:rPr lang="en-US" dirty="0">
+                <a:hlinkClick r:id="rId2"/>
+              </a:rPr>
+              <a:t>http://tx.fhir.org/</a:t>
+            </a:r>
+            <a:r>
+              <a:rPr lang="en-US" dirty="0"/>
+              <a:t> (FHIR build terminology server)</a:t>
+            </a:r>
+          </a:p>
+          <a:p>
+            <a:r>
+              <a:rPr lang="en-US" dirty="0"/>
+              <a:t>HAPI (University Health Network </a:t>
+            </a:r>
+            <a:r>
+              <a:rPr lang="mr-IN" dirty="0"/>
+              <a:t>–</a:t>
+            </a:r>
+            <a:r>
+              <a:rPr lang="en-US" dirty="0"/>
+              <a:t> James Agnew)</a:t>
+            </a:r>
+          </a:p>
+          <a:p>
+            <a:pPr lvl="1"/>
+            <a:r>
+              <a:rPr lang="en-US" dirty="0">
+                <a:hlinkClick r:id="rId3"/>
+              </a:rPr>
+              <a:t>http://hapi.fhir.org/</a:t>
+            </a:r>
+            <a:endParaRPr lang="en-US" dirty="0"/>
+          </a:p>
+          <a:p>
+            <a:r>
+              <a:rPr lang="en-US" dirty="0" err="1"/>
+              <a:t>OntoServer</a:t>
+            </a:r>
+            <a:r>
+              <a:rPr lang="en-US" dirty="0"/>
+              <a:t> (CSIRO </a:t>
+            </a:r>
+            <a:r>
+              <a:rPr lang="mr-IN" dirty="0"/>
+              <a:t>–</a:t>
+            </a:r>
+            <a:r>
+              <a:rPr lang="en-US" dirty="0"/>
+              <a:t> Australia </a:t>
+            </a:r>
+            <a:r>
+              <a:rPr lang="mr-IN" dirty="0"/>
+              <a:t>–</a:t>
+            </a:r>
+            <a:r>
+              <a:rPr lang="en-US" dirty="0"/>
+              <a:t> Michael Lawley)</a:t>
+            </a:r>
+          </a:p>
+          <a:p>
+            <a:pPr lvl="1"/>
+            <a:r>
+              <a:rPr lang="en-US" u="sng" dirty="0">
+                <a:hlinkClick r:id="rId4"/>
+              </a:rPr>
+              <a:t>https://ontoserver.csiro.au/</a:t>
+            </a:r>
+            <a:endParaRPr lang="en-US" u="sng" dirty="0">
+              <a:hlinkClick r:id="rId5"/>
+            </a:endParaRPr>
+          </a:p>
+          <a:p>
+            <a:pPr lvl="1"/>
+            <a:r>
+              <a:rPr lang="en-US" u="sng" dirty="0">
+                <a:hlinkClick r:id="rId5"/>
+              </a:rPr>
+              <a:t>https://stu3.ontoserver.csiro.au/fhir</a:t>
+            </a:r>
+            <a:endParaRPr lang="en-US" u="sng" dirty="0"/>
+          </a:p>
+          <a:p>
+            <a:pPr lvl="1"/>
+            <a:r>
+              <a:rPr lang="en-US" dirty="0">
+                <a:hlinkClick r:id="rId6"/>
+              </a:rPr>
+              <a:t>https://r4.ontoserver.csiro.au/fhir</a:t>
+            </a:r>
+            <a:endParaRPr lang="en-US" dirty="0"/>
+          </a:p>
+        </p:txBody>
+      </p:sp>
+      <p:sp>
+        <p:nvSpPr>
+          <p:cNvPr id="4" name="Slide Number Placeholder 3"/>
+          <p:cNvSpPr>
+            <a:spLocks noGrp="1"/>
+          </p:cNvSpPr>
+          <p:nvPr>
+            <p:ph type="sldNum" sz="quarter" idx="11"/>
+          </p:nvPr>
+        </p:nvSpPr>
+        <p:spPr/>
+        <p:txBody>
+          <a:bodyPr/>
+          <a:lstStyle/>
+          <a:p>
+            <a:fld id="{5CC3E5C4-3E2B-40F1-9F2B-C46CEB0C88DF}" type="slidenum">
+              <a:rPr lang="en-CA" smtClean="0"/>
+              <a:pPr/>
+              <a:t>61</a:t>
+            </a:fld>
+            <a:endParaRPr lang="en-CA"/>
+          </a:p>
+        </p:txBody>
+      </p:sp>
+    </p:spTree>
+    <p:extLst>
+      <p:ext uri="{BB962C8B-B14F-4D97-AF65-F5344CB8AC3E}">
+        <p14:creationId xmlns:p14="http://schemas.microsoft.com/office/powerpoint/2010/main" val="2251517132"/>
+      </p:ext>
+    </p:extLst>
+  </p:cSld>
+  <p:clrMapOvr>
+    <a:masterClrMapping/>
+  </p:clrMapOvr>
+</p:sld>
+</file>
+
+<file path=ppt/slides/slide62.xml><?xml version="1.0" encoding="utf-8"?>
+<p:sld xmlns:a="http://schemas.openxmlformats.org/drawingml/2006/main" xmlns:r="http://schemas.openxmlformats.org/officeDocument/2006/relationships" xmlns:p="http://schemas.openxmlformats.org/presentationml/2006/main">
+  <p:cSld>
+    <p:spTree>
+      <p:nvGrpSpPr>
+        <p:cNvPr id="1" name=""/>
+        <p:cNvGrpSpPr/>
+        <p:nvPr/>
+      </p:nvGrpSpPr>
+      <p:grpSpPr>
+        <a:xfrm>
+          <a:off x="0" y="0"/>
+          <a:ext cx="0" cy="0"/>
+          <a:chOff x="0" y="0"/>
+          <a:chExt cx="0" cy="0"/>
+        </a:xfrm>
+      </p:grpSpPr>
+      <p:sp>
+        <p:nvSpPr>
+          <p:cNvPr id="2" name="Title 1"/>
+          <p:cNvSpPr>
+            <a:spLocks noGrp="1"/>
+          </p:cNvSpPr>
+          <p:nvPr>
+            <p:ph type="title"/>
+          </p:nvPr>
+        </p:nvSpPr>
+        <p:spPr/>
+        <p:txBody>
+          <a:bodyPr/>
+          <a:lstStyle/>
+          <a:p>
+            <a:r>
+              <a:rPr lang="en-US"/>
+              <a:t>Some Publicly Available Terminology Servers</a:t>
+            </a:r>
+          </a:p>
+        </p:txBody>
+      </p:sp>
+      <p:sp>
+        <p:nvSpPr>
+          <p:cNvPr id="3" name="Content Placeholder 2"/>
+          <p:cNvSpPr>
+            <a:spLocks noGrp="1"/>
+          </p:cNvSpPr>
+          <p:nvPr>
+            <p:ph type="body" sz="quarter" idx="13"/>
+          </p:nvPr>
+        </p:nvSpPr>
+        <p:spPr>
+          <a:xfrm>
+            <a:off x="614362" y="1344168"/>
+            <a:ext cx="8228883" cy="2929042"/>
+          </a:xfrm>
+        </p:spPr>
+        <p:txBody>
+          <a:bodyPr/>
+          <a:lstStyle/>
+          <a:p>
+            <a:r>
+              <a:rPr lang="en-US" dirty="0"/>
+              <a:t>Value Set Authority Center (VSAC) – US National Library of Medicine (NLM)</a:t>
+            </a:r>
+          </a:p>
+          <a:p>
+            <a:pPr lvl="1"/>
+            <a:r>
+              <a:rPr lang="en-US" dirty="0">
+                <a:hlinkClick r:id="rId2"/>
+              </a:rPr>
+              <a:t>https://cts.nlm.nih.gov/fhir/</a:t>
+            </a:r>
+            <a:endParaRPr lang="en-US" dirty="0"/>
+          </a:p>
+          <a:p>
+            <a:r>
+              <a:rPr lang="en-US" dirty="0" err="1"/>
+              <a:t>Terminz</a:t>
+            </a:r>
+            <a:r>
+              <a:rPr lang="en-US" dirty="0"/>
+              <a:t> (Patients First </a:t>
+            </a:r>
+            <a:r>
+              <a:rPr lang="mr-IN" dirty="0"/>
+              <a:t>–</a:t>
+            </a:r>
+            <a:r>
+              <a:rPr lang="en-US" dirty="0"/>
+              <a:t> New Zealand </a:t>
+            </a:r>
+            <a:r>
+              <a:rPr lang="mr-IN" dirty="0"/>
+              <a:t>–</a:t>
+            </a:r>
+            <a:r>
+              <a:rPr lang="en-US" dirty="0"/>
+              <a:t> Peter Jordan)</a:t>
+            </a:r>
+          </a:p>
+          <a:p>
+            <a:pPr lvl="1"/>
+            <a:r>
+              <a:rPr lang="en-US" dirty="0">
+                <a:hlinkClick r:id="rId3"/>
+              </a:rPr>
+              <a:t>https://terminz.azurewebsites.net/fhir</a:t>
+            </a:r>
+            <a:endParaRPr lang="en-US" dirty="0"/>
+          </a:p>
+          <a:p>
+            <a:r>
+              <a:rPr lang="en-US" dirty="0"/>
+              <a:t>Link to other publicly available FHIR servers (general and terminology)</a:t>
+            </a:r>
+          </a:p>
+          <a:p>
+            <a:pPr lvl="1"/>
+            <a:r>
+              <a:rPr lang="en-US" dirty="0">
+                <a:hlinkClick r:id="rId4"/>
+              </a:rPr>
+              <a:t>https://confluence.hl7.org/display/FHIR/Public+Test+Servers</a:t>
+            </a:r>
+            <a:r>
+              <a:rPr lang="en-US" dirty="0"/>
+              <a:t> </a:t>
+            </a:r>
+          </a:p>
+        </p:txBody>
+      </p:sp>
+      <p:sp>
+        <p:nvSpPr>
+          <p:cNvPr id="4" name="Slide Number Placeholder 3"/>
+          <p:cNvSpPr>
+            <a:spLocks noGrp="1"/>
+          </p:cNvSpPr>
+          <p:nvPr>
+            <p:ph type="sldNum" sz="quarter" idx="11"/>
+          </p:nvPr>
+        </p:nvSpPr>
+        <p:spPr/>
+        <p:txBody>
+          <a:bodyPr/>
+          <a:lstStyle/>
+          <a:p>
+            <a:fld id="{5CC3E5C4-3E2B-40F1-9F2B-C46CEB0C88DF}" type="slidenum">
+              <a:rPr lang="en-CA" smtClean="0"/>
+              <a:pPr/>
+              <a:t>62</a:t>
+            </a:fld>
+            <a:endParaRPr lang="en-CA"/>
+          </a:p>
+        </p:txBody>
+      </p:sp>
+    </p:spTree>
+    <p:extLst>
+      <p:ext uri="{BB962C8B-B14F-4D97-AF65-F5344CB8AC3E}">
+        <p14:creationId xmlns:p14="http://schemas.microsoft.com/office/powerpoint/2010/main" val="2840050983"/>
+      </p:ext>
+    </p:extLst>
+  </p:cSld>
+  <p:clrMapOvr>
+    <a:masterClrMapping/>
+  </p:clrMapOvr>
+</p:sld>
+</file>
+
+<file path=ppt/slides/slide63.xml><?xml version="1.0" encoding="utf-8"?>
+<p:sld xmlns:a="http://schemas.openxmlformats.org/drawingml/2006/main" xmlns:r="http://schemas.openxmlformats.org/officeDocument/2006/relationships" xmlns:p="http://schemas.openxmlformats.org/presentationml/2006/main">
+  <p:cSld>
+    <p:spTree>
+      <p:nvGrpSpPr>
+        <p:cNvPr id="1" name=""/>
+        <p:cNvGrpSpPr/>
+        <p:nvPr/>
+      </p:nvGrpSpPr>
+      <p:grpSpPr>
+        <a:xfrm>
+          <a:off x="0" y="0"/>
+          <a:ext cx="0" cy="0"/>
+          <a:chOff x="0" y="0"/>
+          <a:chExt cx="0" cy="0"/>
+        </a:xfrm>
+      </p:grpSpPr>
+      <p:sp>
+        <p:nvSpPr>
+          <p:cNvPr id="2" name="Title 1"/>
+          <p:cNvSpPr>
+            <a:spLocks noGrp="1"/>
+          </p:cNvSpPr>
+          <p:nvPr>
+            <p:ph type="title"/>
+          </p:nvPr>
+        </p:nvSpPr>
+        <p:spPr/>
+        <p:txBody>
+          <a:bodyPr/>
+          <a:lstStyle/>
+          <a:p>
+            <a:r>
+              <a:rPr lang="en-US" dirty="0"/>
+              <a:t>Some Useful Tools</a:t>
+            </a:r>
+          </a:p>
+        </p:txBody>
+      </p:sp>
+      <p:sp>
+        <p:nvSpPr>
+          <p:cNvPr id="3" name="Content Placeholder 2"/>
+          <p:cNvSpPr>
+            <a:spLocks noGrp="1"/>
+          </p:cNvSpPr>
+          <p:nvPr>
+            <p:ph type="body" sz="quarter" idx="13"/>
+          </p:nvPr>
+        </p:nvSpPr>
+        <p:spPr>
+          <a:xfrm>
+            <a:off x="614362" y="1161288"/>
+            <a:ext cx="8228883" cy="2929042"/>
+          </a:xfrm>
+        </p:spPr>
+        <p:txBody>
+          <a:bodyPr/>
+          <a:lstStyle/>
+          <a:p>
+            <a:r>
+              <a:rPr lang="en-US" dirty="0" err="1"/>
+              <a:t>clinFHIR</a:t>
+            </a:r>
+            <a:r>
+              <a:rPr lang="en-US" dirty="0"/>
+              <a:t> (David Hay)</a:t>
+            </a:r>
+          </a:p>
+          <a:p>
+            <a:pPr lvl="1"/>
+            <a:r>
+              <a:rPr lang="en-US" dirty="0" err="1"/>
+              <a:t>CodeSystem</a:t>
+            </a:r>
+            <a:r>
+              <a:rPr lang="en-US" dirty="0"/>
+              <a:t> builder</a:t>
+            </a:r>
+          </a:p>
+          <a:p>
+            <a:pPr lvl="2"/>
+            <a:r>
+              <a:rPr lang="en-US" dirty="0">
+                <a:hlinkClick r:id="rId2"/>
+              </a:rPr>
+              <a:t>http://clinfhir.com/codeSystem.html</a:t>
+            </a:r>
+            <a:endParaRPr lang="en-US" dirty="0"/>
+          </a:p>
+          <a:p>
+            <a:pPr lvl="1"/>
+            <a:r>
+              <a:rPr lang="en-US" dirty="0" err="1"/>
+              <a:t>ValueSet</a:t>
+            </a:r>
+            <a:r>
+              <a:rPr lang="en-US" dirty="0"/>
+              <a:t> explorer</a:t>
+            </a:r>
+          </a:p>
+          <a:p>
+            <a:pPr lvl="2"/>
+            <a:r>
+              <a:rPr lang="en-US" dirty="0">
+                <a:hlinkClick r:id="rId3"/>
+              </a:rPr>
+              <a:t>http://clinfhir.com/valuesetCreator.html</a:t>
+            </a:r>
+            <a:endParaRPr lang="en-US" dirty="0"/>
+          </a:p>
+          <a:p>
+            <a:pPr lvl="1"/>
+            <a:r>
+              <a:rPr lang="en-US" dirty="0"/>
+              <a:t>Query Tool</a:t>
+            </a:r>
+          </a:p>
+          <a:p>
+            <a:pPr lvl="2"/>
+            <a:r>
+              <a:rPr lang="en-US" dirty="0">
+                <a:hlinkClick r:id="rId4"/>
+              </a:rPr>
+              <a:t>http://clinfhir.com/query.html</a:t>
+            </a:r>
+            <a:endParaRPr lang="en-US" dirty="0"/>
+          </a:p>
+          <a:p>
+            <a:r>
+              <a:rPr lang="en-US" dirty="0"/>
+              <a:t>Postman</a:t>
+            </a:r>
+          </a:p>
+          <a:p>
+            <a:pPr lvl="1"/>
+            <a:r>
+              <a:rPr lang="en-US" dirty="0">
+                <a:hlinkClick r:id="rId5"/>
+              </a:rPr>
+              <a:t>https://www.getpostman.com/</a:t>
+            </a:r>
+            <a:endParaRPr lang="en-US" dirty="0"/>
+          </a:p>
+        </p:txBody>
+      </p:sp>
+      <p:sp>
+        <p:nvSpPr>
+          <p:cNvPr id="4" name="Slide Number Placeholder 3"/>
+          <p:cNvSpPr>
+            <a:spLocks noGrp="1"/>
+          </p:cNvSpPr>
+          <p:nvPr>
+            <p:ph type="sldNum" sz="quarter" idx="11"/>
+          </p:nvPr>
+        </p:nvSpPr>
+        <p:spPr/>
+        <p:txBody>
+          <a:bodyPr/>
+          <a:lstStyle/>
+          <a:p>
+            <a:fld id="{5CC3E5C4-3E2B-40F1-9F2B-C46CEB0C88DF}" type="slidenum">
+              <a:rPr lang="en-CA" smtClean="0"/>
+              <a:pPr/>
+              <a:t>63</a:t>
+            </a:fld>
+            <a:endParaRPr lang="en-CA"/>
+          </a:p>
+        </p:txBody>
+      </p:sp>
+    </p:spTree>
+    <p:extLst>
+      <p:ext uri="{BB962C8B-B14F-4D97-AF65-F5344CB8AC3E}">
+        <p14:creationId xmlns:p14="http://schemas.microsoft.com/office/powerpoint/2010/main" val="1929080411"/>
+      </p:ext>
+    </p:extLst>
+  </p:cSld>
+  <p:clrMapOvr>
+    <a:masterClrMapping/>
+  </p:clrMapOvr>
+</p:sld>
+</file>
+
+<file path=ppt/slides/slide64.xml><?xml version="1.0" encoding="utf-8"?>
+<p:sld xmlns:a="http://schemas.openxmlformats.org/drawingml/2006/main" xmlns:r="http://schemas.openxmlformats.org/officeDocument/2006/relationships" xmlns:p="http://schemas.openxmlformats.org/presentationml/2006/main">
+  <p:cSld>
+    <p:spTree>
+      <p:nvGrpSpPr>
+        <p:cNvPr id="1" name=""/>
+        <p:cNvGrpSpPr/>
+        <p:nvPr/>
+      </p:nvGrpSpPr>
+      <p:grpSpPr>
+        <a:xfrm>
+          <a:off x="0" y="0"/>
+          <a:ext cx="0" cy="0"/>
+          <a:chOff x="0" y="0"/>
+          <a:chExt cx="0" cy="0"/>
+        </a:xfrm>
+      </p:grpSpPr>
+      <p:sp>
+        <p:nvSpPr>
+          <p:cNvPr id="2" name="Title 1"/>
+          <p:cNvSpPr>
+            <a:spLocks noGrp="1"/>
+          </p:cNvSpPr>
+          <p:nvPr>
+            <p:ph type="title"/>
+          </p:nvPr>
+        </p:nvSpPr>
+        <p:spPr/>
+        <p:txBody>
+          <a:bodyPr/>
+          <a:lstStyle/>
+          <a:p>
+            <a:r>
+              <a:rPr lang="en-US" dirty="0"/>
+              <a:t>Some Useful Tools (cont.)</a:t>
+            </a:r>
+          </a:p>
+        </p:txBody>
+      </p:sp>
+      <p:sp>
+        <p:nvSpPr>
+          <p:cNvPr id="3" name="Content Placeholder 2"/>
+          <p:cNvSpPr>
+            <a:spLocks noGrp="1"/>
+          </p:cNvSpPr>
+          <p:nvPr>
+            <p:ph type="body" sz="quarter" idx="13"/>
+          </p:nvPr>
+        </p:nvSpPr>
+        <p:spPr/>
+        <p:txBody>
+          <a:bodyPr/>
+          <a:lstStyle/>
+          <a:p>
+            <a:r>
+              <a:rPr lang="en-US" dirty="0"/>
+              <a:t>Shrimp SNOMED CT browser (CSIRO)</a:t>
+            </a:r>
+          </a:p>
+          <a:p>
+            <a:pPr lvl="1"/>
+            <a:r>
+              <a:rPr lang="en-US" dirty="0">
+                <a:hlinkClick r:id="rId2"/>
+              </a:rPr>
+              <a:t>http://ontoserver.csiro.au/shrimp</a:t>
+            </a:r>
+            <a:endParaRPr lang="en-US" dirty="0"/>
+          </a:p>
+          <a:p>
+            <a:r>
+              <a:rPr lang="en-US" dirty="0"/>
+              <a:t>CSIRO Value Set Comparison Tool</a:t>
+            </a:r>
+          </a:p>
+          <a:p>
+            <a:pPr lvl="1"/>
+            <a:r>
+              <a:rPr lang="en-US" dirty="0">
+                <a:hlinkClick r:id="rId3"/>
+              </a:rPr>
+              <a:t>http://ontoserver.csiro.au/vstool</a:t>
+            </a:r>
+            <a:endParaRPr lang="en-US" dirty="0"/>
+          </a:p>
+          <a:p>
+            <a:r>
+              <a:rPr lang="en-US" dirty="0"/>
+              <a:t>FHIR Tools release page</a:t>
+            </a:r>
+          </a:p>
+          <a:p>
+            <a:pPr lvl="1"/>
+            <a:r>
+              <a:rPr lang="en-US" dirty="0">
+                <a:hlinkClick r:id="rId4"/>
+              </a:rPr>
+              <a:t>http://www.healthintersections.com.au/FhirServer/</a:t>
+            </a:r>
+            <a:endParaRPr lang="en-US" dirty="0"/>
+          </a:p>
+        </p:txBody>
+      </p:sp>
+      <p:sp>
+        <p:nvSpPr>
+          <p:cNvPr id="4" name="Slide Number Placeholder 3"/>
+          <p:cNvSpPr>
+            <a:spLocks noGrp="1"/>
+          </p:cNvSpPr>
+          <p:nvPr>
+            <p:ph type="sldNum" sz="quarter" idx="11"/>
+          </p:nvPr>
+        </p:nvSpPr>
+        <p:spPr/>
+        <p:txBody>
+          <a:bodyPr/>
+          <a:lstStyle/>
+          <a:p>
+            <a:fld id="{5CC3E5C4-3E2B-40F1-9F2B-C46CEB0C88DF}" type="slidenum">
+              <a:rPr lang="en-CA" smtClean="0"/>
+              <a:pPr/>
+              <a:t>64</a:t>
+            </a:fld>
+            <a:endParaRPr lang="en-CA"/>
+          </a:p>
+        </p:txBody>
+      </p:sp>
+    </p:spTree>
+    <p:extLst>
+      <p:ext uri="{BB962C8B-B14F-4D97-AF65-F5344CB8AC3E}">
+        <p14:creationId xmlns:p14="http://schemas.microsoft.com/office/powerpoint/2010/main" val="3745656551"/>
+      </p:ext>
+    </p:extLst>
+  </p:cSld>
+  <p:clrMapOvr>
+    <a:masterClrMapping/>
+  </p:clrMapOvr>
+</p:sld>
+</file>
+
+<file path=ppt/slides/slide65.xml><?xml version="1.0" encoding="utf-8"?>
+<p:sld xmlns:a="http://schemas.openxmlformats.org/drawingml/2006/main" xmlns:r="http://schemas.openxmlformats.org/officeDocument/2006/relationships" xmlns:p="http://schemas.openxmlformats.org/presentationml/2006/main">
+  <p:cSld>
+    <p:spTree>
+      <p:nvGrpSpPr>
+        <p:cNvPr id="1" name=""/>
+        <p:cNvGrpSpPr/>
+        <p:nvPr/>
+      </p:nvGrpSpPr>
+      <p:grpSpPr>
+        <a:xfrm>
+          <a:off x="0" y="0"/>
+          <a:ext cx="0" cy="0"/>
+          <a:chOff x="0" y="0"/>
+          <a:chExt cx="0" cy="0"/>
+        </a:xfrm>
+      </p:grpSpPr>
+      <p:sp>
+        <p:nvSpPr>
+          <p:cNvPr id="2" name="Title 1"/>
+          <p:cNvSpPr>
+            <a:spLocks noGrp="1"/>
+          </p:cNvSpPr>
+          <p:nvPr>
+            <p:ph type="title"/>
+          </p:nvPr>
+        </p:nvSpPr>
+        <p:spPr/>
+        <p:txBody>
+          <a:bodyPr/>
+          <a:lstStyle/>
+          <a:p>
+            <a:r>
+              <a:rPr lang="en-AU" dirty="0"/>
+              <a:t>More Questions?</a:t>
+            </a:r>
+          </a:p>
+        </p:txBody>
+      </p:sp>
+      <p:sp>
+        <p:nvSpPr>
+          <p:cNvPr id="3" name="Content Placeholder 2"/>
+          <p:cNvSpPr>
+            <a:spLocks noGrp="1"/>
+          </p:cNvSpPr>
+          <p:nvPr>
+            <p:ph type="body" sz="quarter" idx="13"/>
+          </p:nvPr>
+        </p:nvSpPr>
+        <p:spPr>
+          <a:xfrm>
+            <a:off x="614362" y="1097280"/>
+            <a:ext cx="8228883" cy="2929042"/>
+          </a:xfrm>
+        </p:spPr>
+        <p:txBody>
+          <a:bodyPr/>
+          <a:lstStyle/>
+          <a:p>
+            <a:pPr marL="0" indent="0">
+              <a:buNone/>
+            </a:pPr>
+            <a:r>
+              <a:rPr lang="en-AU" dirty="0"/>
+              <a:t>Connect with the FHIR community:</a:t>
+            </a:r>
+            <a:br>
+              <a:rPr lang="en-AU" dirty="0"/>
+            </a:br>
+            <a:r>
+              <a:rPr lang="en-AU" dirty="0"/>
+              <a:t>FHIR </a:t>
+            </a:r>
+            <a:r>
+              <a:rPr lang="en-AU" dirty="0" err="1"/>
+              <a:t>Zulip</a:t>
+            </a:r>
+            <a:r>
+              <a:rPr lang="en-AU" dirty="0"/>
+              <a:t> chat terminology stream</a:t>
+            </a:r>
+          </a:p>
+          <a:p>
+            <a:pPr marL="0" indent="0">
+              <a:buNone/>
+            </a:pPr>
+            <a:r>
+              <a:rPr lang="en-AU" sz="2250" dirty="0">
+                <a:hlinkClick r:id="rId2"/>
+              </a:rPr>
+              <a:t>https://chat.fhir.org/#narrow/stream/terminology</a:t>
+            </a:r>
+            <a:endParaRPr lang="en-AU" sz="2000" dirty="0"/>
+          </a:p>
+          <a:p>
+            <a:pPr marL="0" indent="0">
+              <a:buNone/>
+            </a:pPr>
+            <a:endParaRPr lang="en-AU" sz="1800" dirty="0"/>
+          </a:p>
+          <a:p>
+            <a:pPr marL="0" indent="0">
+              <a:buNone/>
+            </a:pPr>
+            <a:r>
+              <a:rPr lang="en-AU" dirty="0"/>
+              <a:t>Or ask me:</a:t>
+            </a:r>
+            <a:br>
+              <a:rPr lang="en-AU" dirty="0"/>
+            </a:br>
+            <a:r>
+              <a:rPr lang="en-AU" dirty="0"/>
+              <a:t>Rob Hausam</a:t>
+            </a:r>
+          </a:p>
+          <a:p>
+            <a:pPr marL="0" indent="0">
+              <a:buNone/>
+            </a:pPr>
+            <a:r>
+              <a:rPr lang="en-AU" dirty="0">
+                <a:hlinkClick r:id="rId3"/>
+              </a:rPr>
+              <a:t>rrhausam@gmail.com</a:t>
+            </a:r>
+            <a:br>
+              <a:rPr lang="en-AU" dirty="0"/>
+            </a:br>
+            <a:r>
+              <a:rPr lang="en-AU" dirty="0"/>
+              <a:t>Or PM on FHIR </a:t>
+            </a:r>
+            <a:r>
+              <a:rPr lang="en-AU" dirty="0" err="1"/>
+              <a:t>Zulip</a:t>
+            </a:r>
+            <a:r>
+              <a:rPr lang="en-AU" dirty="0"/>
+              <a:t> chat</a:t>
+            </a:r>
+          </a:p>
+          <a:p>
+            <a:pPr marL="0" indent="0">
+              <a:buNone/>
+            </a:pPr>
+            <a:endParaRPr lang="en-AU" dirty="0"/>
+          </a:p>
+        </p:txBody>
+      </p:sp>
+      <p:sp>
+        <p:nvSpPr>
+          <p:cNvPr id="4" name="Slide Number Placeholder 3"/>
+          <p:cNvSpPr>
+            <a:spLocks noGrp="1"/>
+          </p:cNvSpPr>
+          <p:nvPr>
+            <p:ph type="sldNum" sz="quarter" idx="11"/>
+          </p:nvPr>
+        </p:nvSpPr>
+        <p:spPr/>
+        <p:txBody>
+          <a:bodyPr/>
+          <a:lstStyle/>
+          <a:p>
+            <a:fld id="{5CC3E5C4-3E2B-40F1-9F2B-C46CEB0C88DF}" type="slidenum">
+              <a:rPr lang="en-CA" smtClean="0"/>
+              <a:pPr/>
+              <a:t>65</a:t>
+            </a:fld>
+            <a:endParaRPr lang="en-CA"/>
+          </a:p>
+        </p:txBody>
+      </p:sp>
+    </p:spTree>
+    <p:extLst>
+      <p:ext uri="{BB962C8B-B14F-4D97-AF65-F5344CB8AC3E}">
+        <p14:creationId xmlns:p14="http://schemas.microsoft.com/office/powerpoint/2010/main" val="1839755958"/>
       </p:ext>
     </p:extLst>
   </p:cSld>
